--- a/設計/RadiallyInterface.pptx
+++ b/設計/RadiallyInterface.pptx
@@ -8,6 +8,8 @@
     <p:sldId id="256" r:id="rId2"/>
     <p:sldId id="257" r:id="rId3"/>
     <p:sldId id="259" r:id="rId4"/>
+    <p:sldId id="260" r:id="rId5"/>
+    <p:sldId id="261" r:id="rId6"/>
   </p:sldIdLst>
   <p:sldSz cx="12192000" cy="6858000"/>
   <p:notesSz cx="6858000" cy="9144000"/>
@@ -5722,6 +5724,1647 @@
 </p:sld>
 </file>
 
+<file path=ppt/slides/slide4.xml><?xml version="1.0" encoding="utf-8"?>
+<p:sld xmlns:a="http://schemas.openxmlformats.org/drawingml/2006/main" xmlns:r="http://schemas.openxmlformats.org/officeDocument/2006/relationships" xmlns:p="http://schemas.openxmlformats.org/presentationml/2006/main">
+  <p:cSld>
+    <p:spTree>
+      <p:nvGrpSpPr>
+        <p:cNvPr id="1" name=""/>
+        <p:cNvGrpSpPr/>
+        <p:nvPr/>
+      </p:nvGrpSpPr>
+      <p:grpSpPr>
+        <a:xfrm>
+          <a:off x="0" y="0"/>
+          <a:ext cx="0" cy="0"/>
+          <a:chOff x="0" y="0"/>
+          <a:chExt cx="0" cy="0"/>
+        </a:xfrm>
+      </p:grpSpPr>
+      <p:sp>
+        <p:nvSpPr>
+          <p:cNvPr id="2" name="タイトル 1">
+            <a:extLst>
+              <a:ext uri="{FF2B5EF4-FFF2-40B4-BE49-F238E27FC236}">
+                <a16:creationId xmlns:a16="http://schemas.microsoft.com/office/drawing/2014/main" id="{C55A72AD-4605-4F09-8B68-C81F6D1C3BA2}"/>
+              </a:ext>
+            </a:extLst>
+          </p:cNvPr>
+          <p:cNvSpPr>
+            <a:spLocks noGrp="1"/>
+          </p:cNvSpPr>
+          <p:nvPr>
+            <p:ph type="title"/>
+          </p:nvPr>
+        </p:nvSpPr>
+        <p:spPr/>
+        <p:txBody>
+          <a:bodyPr/>
+          <a:lstStyle/>
+          <a:p>
+            <a:r>
+              <a:rPr kumimoji="1" lang="ja-JP" altLang="en-US" dirty="0"/>
+              <a:t>トーラス</a:t>
+            </a:r>
+            <a:br>
+              <a:rPr kumimoji="1" lang="en-US" altLang="ja-JP" dirty="0"/>
+            </a:br>
+            <a:r>
+              <a:rPr kumimoji="1" lang="ja-JP" altLang="en-US" dirty="0"/>
+              <a:t>頂点情報 及び </a:t>
+            </a:r>
+            <a:r>
+              <a:rPr lang="ja-JP" altLang="en-US" dirty="0"/>
+              <a:t>面当たりの割り当て頂点</a:t>
+            </a:r>
+            <a:r>
+              <a:rPr lang="en-US" altLang="ja-JP" dirty="0"/>
+              <a:t>1</a:t>
+            </a:r>
+            <a:endParaRPr kumimoji="1" lang="ja-JP" altLang="en-US" dirty="0"/>
+          </a:p>
+        </p:txBody>
+      </p:sp>
+      <p:grpSp>
+        <p:nvGrpSpPr>
+          <p:cNvPr id="9" name="グループ化 8">
+            <a:extLst>
+              <a:ext uri="{FF2B5EF4-FFF2-40B4-BE49-F238E27FC236}">
+                <a16:creationId xmlns:a16="http://schemas.microsoft.com/office/drawing/2014/main" id="{A78C4AD6-6CF5-431E-B92D-7E73754A1746}"/>
+              </a:ext>
+            </a:extLst>
+          </p:cNvPr>
+          <p:cNvGrpSpPr/>
+          <p:nvPr/>
+        </p:nvGrpSpPr>
+        <p:grpSpPr>
+          <a:xfrm>
+            <a:off x="495697" y="1700272"/>
+            <a:ext cx="7534405" cy="5157728"/>
+            <a:chOff x="671865" y="1541408"/>
+            <a:chExt cx="7534405" cy="5157728"/>
+          </a:xfrm>
+        </p:grpSpPr>
+        <p:sp>
+          <p:nvSpPr>
+            <p:cNvPr id="31" name="正方形/長方形 30">
+              <a:extLst>
+                <a:ext uri="{FF2B5EF4-FFF2-40B4-BE49-F238E27FC236}">
+                  <a16:creationId xmlns:a16="http://schemas.microsoft.com/office/drawing/2014/main" id="{B5141E85-C0AA-4E6C-9ED8-BD1E4CAFAF2D}"/>
+                </a:ext>
+              </a:extLst>
+            </p:cNvPr>
+            <p:cNvSpPr>
+              <a:spLocks noChangeAspect="1"/>
+            </p:cNvSpPr>
+            <p:nvPr/>
+          </p:nvSpPr>
+          <p:spPr>
+            <a:xfrm rot="10800000">
+              <a:off x="3290466" y="1710452"/>
+              <a:ext cx="3000867" cy="3000867"/>
+            </a:xfrm>
+            <a:prstGeom prst="rect">
+              <a:avLst/>
+            </a:prstGeom>
+            <a:noFill/>
+            <a:ln w="38100">
+              <a:prstDash val="sysDash"/>
+            </a:ln>
+          </p:spPr>
+          <p:style>
+            <a:lnRef idx="2">
+              <a:schemeClr val="accent1">
+                <a:shade val="50000"/>
+              </a:schemeClr>
+            </a:lnRef>
+            <a:fillRef idx="1">
+              <a:schemeClr val="accent1"/>
+            </a:fillRef>
+            <a:effectRef idx="0">
+              <a:schemeClr val="accent1"/>
+            </a:effectRef>
+            <a:fontRef idx="minor">
+              <a:schemeClr val="lt1"/>
+            </a:fontRef>
+          </p:style>
+          <p:txBody>
+            <a:bodyPr rtlCol="0" anchor="ctr"/>
+            <a:lstStyle/>
+            <a:p>
+              <a:pPr algn="ctr"/>
+              <a:endParaRPr kumimoji="1" lang="ja-JP" altLang="en-US"/>
+            </a:p>
+          </p:txBody>
+        </p:sp>
+        <p:sp>
+          <p:nvSpPr>
+            <p:cNvPr id="32" name="平行四辺形 31">
+              <a:extLst>
+                <a:ext uri="{FF2B5EF4-FFF2-40B4-BE49-F238E27FC236}">
+                  <a16:creationId xmlns:a16="http://schemas.microsoft.com/office/drawing/2014/main" id="{92B16407-B866-4921-864E-7BEA4FD5FA6C}"/>
+                </a:ext>
+              </a:extLst>
+            </p:cNvPr>
+            <p:cNvSpPr>
+              <a:spLocks noChangeAspect="1"/>
+            </p:cNvSpPr>
+            <p:nvPr/>
+          </p:nvSpPr>
+          <p:spPr>
+            <a:xfrm rot="16200000" flipV="1">
+              <a:off x="160361" y="3137404"/>
+              <a:ext cx="4568478" cy="1734829"/>
+            </a:xfrm>
+            <a:prstGeom prst="parallelogram">
+              <a:avLst>
+                <a:gd name="adj" fmla="val 90386"/>
+              </a:avLst>
+            </a:prstGeom>
+            <a:noFill/>
+            <a:ln w="38100">
+              <a:prstDash val="sysDash"/>
+            </a:ln>
+          </p:spPr>
+          <p:style>
+            <a:lnRef idx="2">
+              <a:schemeClr val="accent1">
+                <a:shade val="50000"/>
+              </a:schemeClr>
+            </a:lnRef>
+            <a:fillRef idx="1">
+              <a:schemeClr val="accent1"/>
+            </a:fillRef>
+            <a:effectRef idx="0">
+              <a:schemeClr val="accent1"/>
+            </a:effectRef>
+            <a:fontRef idx="minor">
+              <a:schemeClr val="lt1"/>
+            </a:fontRef>
+          </p:style>
+          <p:txBody>
+            <a:bodyPr rtlCol="0" anchor="ctr"/>
+            <a:lstStyle/>
+            <a:p>
+              <a:pPr algn="ctr"/>
+              <a:endParaRPr kumimoji="1" lang="ja-JP" altLang="en-US" dirty="0"/>
+            </a:p>
+          </p:txBody>
+        </p:sp>
+        <p:cxnSp>
+          <p:nvCxnSpPr>
+            <p:cNvPr id="7" name="直線矢印コネクタ 6">
+              <a:extLst>
+                <a:ext uri="{FF2B5EF4-FFF2-40B4-BE49-F238E27FC236}">
+                  <a16:creationId xmlns:a16="http://schemas.microsoft.com/office/drawing/2014/main" id="{56DD3294-F0BD-41A2-A10A-8C6305D85F6B}"/>
+                </a:ext>
+              </a:extLst>
+            </p:cNvPr>
+            <p:cNvCxnSpPr>
+              <a:cxnSpLocks/>
+            </p:cNvCxnSpPr>
+            <p:nvPr/>
+          </p:nvCxnSpPr>
+          <p:spPr>
+            <a:xfrm flipV="1">
+              <a:off x="6594838" y="2471744"/>
+              <a:ext cx="1110189" cy="1025220"/>
+            </a:xfrm>
+            <a:prstGeom prst="straightConnector1">
+              <a:avLst/>
+            </a:prstGeom>
+            <a:ln w="38100">
+              <a:tailEnd type="triangle"/>
+            </a:ln>
+          </p:spPr>
+          <p:style>
+            <a:lnRef idx="1">
+              <a:schemeClr val="accent1"/>
+            </a:lnRef>
+            <a:fillRef idx="0">
+              <a:schemeClr val="accent1"/>
+            </a:fillRef>
+            <a:effectRef idx="0">
+              <a:schemeClr val="accent1"/>
+            </a:effectRef>
+            <a:fontRef idx="minor">
+              <a:schemeClr val="tx1"/>
+            </a:fontRef>
+          </p:style>
+        </p:cxnSp>
+        <p:sp>
+          <p:nvSpPr>
+            <p:cNvPr id="8" name="テキスト ボックス 7">
+              <a:extLst>
+                <a:ext uri="{FF2B5EF4-FFF2-40B4-BE49-F238E27FC236}">
+                  <a16:creationId xmlns:a16="http://schemas.microsoft.com/office/drawing/2014/main" id="{B6788F17-BBC9-4A08-BA64-D022B7B79D63}"/>
+                </a:ext>
+              </a:extLst>
+            </p:cNvPr>
+            <p:cNvSpPr txBox="1"/>
+            <p:nvPr/>
+          </p:nvSpPr>
+          <p:spPr>
+            <a:xfrm>
+              <a:off x="6402637" y="4462436"/>
+              <a:ext cx="1803633" cy="369332"/>
+            </a:xfrm>
+            <a:prstGeom prst="rect">
+              <a:avLst/>
+            </a:prstGeom>
+            <a:noFill/>
+          </p:spPr>
+          <p:txBody>
+            <a:bodyPr wrap="square" rtlCol="0">
+              <a:spAutoFit/>
+            </a:bodyPr>
+            <a:lstStyle/>
+            <a:p>
+              <a:r>
+                <a:rPr kumimoji="1" lang="en-US" altLang="ja-JP" dirty="0"/>
+                <a:t>0</a:t>
+              </a:r>
+              <a:r>
+                <a:rPr kumimoji="1" lang="ja-JP" altLang="en-US" dirty="0"/>
+                <a:t>、</a:t>
+              </a:r>
+              <a:r>
+                <a:rPr kumimoji="1" lang="en-US" altLang="ja-JP" dirty="0"/>
+                <a:t>13</a:t>
+              </a:r>
+              <a:endParaRPr kumimoji="1" lang="ja-JP" altLang="en-US" dirty="0"/>
+            </a:p>
+          </p:txBody>
+        </p:sp>
+        <p:sp>
+          <p:nvSpPr>
+            <p:cNvPr id="13" name="正方形/長方形 12">
+              <a:extLst>
+                <a:ext uri="{FF2B5EF4-FFF2-40B4-BE49-F238E27FC236}">
+                  <a16:creationId xmlns:a16="http://schemas.microsoft.com/office/drawing/2014/main" id="{0BF33127-BCE1-4915-BCAF-BE511767D173}"/>
+                </a:ext>
+              </a:extLst>
+            </p:cNvPr>
+            <p:cNvSpPr>
+              <a:spLocks noChangeAspect="1"/>
+            </p:cNvSpPr>
+            <p:nvPr/>
+          </p:nvSpPr>
+          <p:spPr>
+            <a:xfrm>
+              <a:off x="1573682" y="3331335"/>
+              <a:ext cx="3000867" cy="3000867"/>
+            </a:xfrm>
+            <a:prstGeom prst="rect">
+              <a:avLst/>
+            </a:prstGeom>
+            <a:noFill/>
+            <a:ln w="38100"/>
+          </p:spPr>
+          <p:style>
+            <a:lnRef idx="2">
+              <a:schemeClr val="accent1">
+                <a:shade val="50000"/>
+              </a:schemeClr>
+            </a:lnRef>
+            <a:fillRef idx="1">
+              <a:schemeClr val="accent1"/>
+            </a:fillRef>
+            <a:effectRef idx="0">
+              <a:schemeClr val="accent1"/>
+            </a:effectRef>
+            <a:fontRef idx="minor">
+              <a:schemeClr val="lt1"/>
+            </a:fontRef>
+          </p:style>
+          <p:txBody>
+            <a:bodyPr rtlCol="0" anchor="ctr"/>
+            <a:lstStyle/>
+            <a:p>
+              <a:pPr algn="ctr"/>
+              <a:endParaRPr kumimoji="1" lang="ja-JP" altLang="en-US"/>
+            </a:p>
+          </p:txBody>
+        </p:sp>
+        <p:sp>
+          <p:nvSpPr>
+            <p:cNvPr id="14" name="平行四辺形 13">
+              <a:extLst>
+                <a:ext uri="{FF2B5EF4-FFF2-40B4-BE49-F238E27FC236}">
+                  <a16:creationId xmlns:a16="http://schemas.microsoft.com/office/drawing/2014/main" id="{A444E972-D3A5-4DAB-A778-E10EF8137CF2}"/>
+                </a:ext>
+              </a:extLst>
+            </p:cNvPr>
+            <p:cNvSpPr>
+              <a:spLocks noChangeAspect="1"/>
+            </p:cNvSpPr>
+            <p:nvPr/>
+          </p:nvSpPr>
+          <p:spPr>
+            <a:xfrm rot="5400000" flipV="1">
+              <a:off x="3119307" y="3157778"/>
+              <a:ext cx="4609222" cy="1734829"/>
+            </a:xfrm>
+            <a:prstGeom prst="parallelogram">
+              <a:avLst>
+                <a:gd name="adj" fmla="val 92537"/>
+              </a:avLst>
+            </a:prstGeom>
+            <a:noFill/>
+            <a:ln w="38100"/>
+          </p:spPr>
+          <p:style>
+            <a:lnRef idx="2">
+              <a:schemeClr val="accent1">
+                <a:shade val="50000"/>
+              </a:schemeClr>
+            </a:lnRef>
+            <a:fillRef idx="1">
+              <a:schemeClr val="accent1"/>
+            </a:fillRef>
+            <a:effectRef idx="0">
+              <a:schemeClr val="accent1"/>
+            </a:effectRef>
+            <a:fontRef idx="minor">
+              <a:schemeClr val="lt1"/>
+            </a:fontRef>
+          </p:style>
+          <p:txBody>
+            <a:bodyPr rtlCol="0" anchor="ctr"/>
+            <a:lstStyle/>
+            <a:p>
+              <a:pPr algn="ctr"/>
+              <a:endParaRPr kumimoji="1" lang="ja-JP" altLang="en-US" dirty="0"/>
+            </a:p>
+          </p:txBody>
+        </p:sp>
+        <p:sp>
+          <p:nvSpPr>
+            <p:cNvPr id="33" name="テキスト ボックス 32">
+              <a:extLst>
+                <a:ext uri="{FF2B5EF4-FFF2-40B4-BE49-F238E27FC236}">
+                  <a16:creationId xmlns:a16="http://schemas.microsoft.com/office/drawing/2014/main" id="{5773E516-2470-4F7C-932D-4D5947BF47EC}"/>
+                </a:ext>
+              </a:extLst>
+            </p:cNvPr>
+            <p:cNvSpPr txBox="1"/>
+            <p:nvPr/>
+          </p:nvSpPr>
+          <p:spPr>
+            <a:xfrm>
+              <a:off x="4695394" y="6117132"/>
+              <a:ext cx="1803633" cy="369332"/>
+            </a:xfrm>
+            <a:prstGeom prst="rect">
+              <a:avLst/>
+            </a:prstGeom>
+            <a:noFill/>
+          </p:spPr>
+          <p:txBody>
+            <a:bodyPr wrap="square" rtlCol="0">
+              <a:spAutoFit/>
+            </a:bodyPr>
+            <a:lstStyle/>
+            <a:p>
+              <a:r>
+                <a:rPr lang="en-US" altLang="ja-JP" dirty="0"/>
+                <a:t>6</a:t>
+              </a:r>
+              <a:r>
+                <a:rPr kumimoji="1" lang="ja-JP" altLang="en-US" dirty="0"/>
+                <a:t>、</a:t>
+              </a:r>
+              <a:r>
+                <a:rPr kumimoji="1" lang="en-US" altLang="ja-JP" dirty="0"/>
+                <a:t>12</a:t>
+              </a:r>
+              <a:endParaRPr kumimoji="1" lang="ja-JP" altLang="en-US" dirty="0"/>
+            </a:p>
+          </p:txBody>
+        </p:sp>
+        <p:sp>
+          <p:nvSpPr>
+            <p:cNvPr id="34" name="テキスト ボックス 33">
+              <a:extLst>
+                <a:ext uri="{FF2B5EF4-FFF2-40B4-BE49-F238E27FC236}">
+                  <a16:creationId xmlns:a16="http://schemas.microsoft.com/office/drawing/2014/main" id="{D3939F08-F962-407F-A969-E316EC7EA9DF}"/>
+                </a:ext>
+              </a:extLst>
+            </p:cNvPr>
+            <p:cNvSpPr txBox="1"/>
+            <p:nvPr/>
+          </p:nvSpPr>
+          <p:spPr>
+            <a:xfrm>
+              <a:off x="1642651" y="6329804"/>
+              <a:ext cx="1803633" cy="369332"/>
+            </a:xfrm>
+            <a:prstGeom prst="rect">
+              <a:avLst/>
+            </a:prstGeom>
+            <a:noFill/>
+          </p:spPr>
+          <p:txBody>
+            <a:bodyPr wrap="square" rtlCol="0">
+              <a:spAutoFit/>
+            </a:bodyPr>
+            <a:lstStyle/>
+            <a:p>
+              <a:r>
+                <a:rPr lang="en-US" altLang="ja-JP" dirty="0"/>
+                <a:t>7</a:t>
+              </a:r>
+              <a:r>
+                <a:rPr kumimoji="1" lang="ja-JP" altLang="en-US" dirty="0"/>
+                <a:t>、</a:t>
+              </a:r>
+              <a:r>
+                <a:rPr lang="en-US" altLang="ja-JP" dirty="0"/>
+                <a:t>15</a:t>
+              </a:r>
+              <a:endParaRPr kumimoji="1" lang="ja-JP" altLang="en-US" dirty="0"/>
+            </a:p>
+          </p:txBody>
+        </p:sp>
+        <p:sp>
+          <p:nvSpPr>
+            <p:cNvPr id="35" name="テキスト ボックス 34">
+              <a:extLst>
+                <a:ext uri="{FF2B5EF4-FFF2-40B4-BE49-F238E27FC236}">
+                  <a16:creationId xmlns:a16="http://schemas.microsoft.com/office/drawing/2014/main" id="{245BCF09-B7FE-48F3-88AE-9E9734F95160}"/>
+                </a:ext>
+              </a:extLst>
+            </p:cNvPr>
+            <p:cNvSpPr txBox="1"/>
+            <p:nvPr/>
+          </p:nvSpPr>
+          <p:spPr>
+            <a:xfrm>
+              <a:off x="2322137" y="4519573"/>
+              <a:ext cx="1803633" cy="369332"/>
+            </a:xfrm>
+            <a:prstGeom prst="rect">
+              <a:avLst/>
+            </a:prstGeom>
+            <a:noFill/>
+          </p:spPr>
+          <p:txBody>
+            <a:bodyPr wrap="square" rtlCol="0">
+              <a:spAutoFit/>
+            </a:bodyPr>
+            <a:lstStyle/>
+            <a:p>
+              <a:r>
+                <a:rPr lang="en-US" altLang="ja-JP" dirty="0"/>
+                <a:t>1</a:t>
+              </a:r>
+              <a:r>
+                <a:rPr kumimoji="1" lang="ja-JP" altLang="en-US" dirty="0"/>
+                <a:t>、</a:t>
+              </a:r>
+              <a:r>
+                <a:rPr kumimoji="1" lang="en-US" altLang="ja-JP" dirty="0"/>
+                <a:t>14</a:t>
+              </a:r>
+              <a:endParaRPr kumimoji="1" lang="ja-JP" altLang="en-US" dirty="0"/>
+            </a:p>
+          </p:txBody>
+        </p:sp>
+        <p:sp>
+          <p:nvSpPr>
+            <p:cNvPr id="36" name="テキスト ボックス 35">
+              <a:extLst>
+                <a:ext uri="{FF2B5EF4-FFF2-40B4-BE49-F238E27FC236}">
+                  <a16:creationId xmlns:a16="http://schemas.microsoft.com/office/drawing/2014/main" id="{F17487FE-FA43-4223-8C5F-5C58FD945A83}"/>
+                </a:ext>
+              </a:extLst>
+            </p:cNvPr>
+            <p:cNvSpPr txBox="1"/>
+            <p:nvPr/>
+          </p:nvSpPr>
+          <p:spPr>
+            <a:xfrm>
+              <a:off x="6367662" y="1541408"/>
+              <a:ext cx="1803633" cy="369332"/>
+            </a:xfrm>
+            <a:prstGeom prst="rect">
+              <a:avLst/>
+            </a:prstGeom>
+            <a:noFill/>
+          </p:spPr>
+          <p:txBody>
+            <a:bodyPr wrap="square" rtlCol="0">
+              <a:spAutoFit/>
+            </a:bodyPr>
+            <a:lstStyle/>
+            <a:p>
+              <a:r>
+                <a:rPr lang="en-US" altLang="ja-JP" dirty="0"/>
+                <a:t>2</a:t>
+              </a:r>
+              <a:r>
+                <a:rPr kumimoji="1" lang="ja-JP" altLang="en-US" dirty="0"/>
+                <a:t>、</a:t>
+              </a:r>
+              <a:r>
+                <a:rPr lang="en-US" altLang="ja-JP" dirty="0"/>
+                <a:t>8</a:t>
+              </a:r>
+              <a:endParaRPr kumimoji="1" lang="ja-JP" altLang="en-US" dirty="0"/>
+            </a:p>
+          </p:txBody>
+        </p:sp>
+        <p:sp>
+          <p:nvSpPr>
+            <p:cNvPr id="37" name="テキスト ボックス 36">
+              <a:extLst>
+                <a:ext uri="{FF2B5EF4-FFF2-40B4-BE49-F238E27FC236}">
+                  <a16:creationId xmlns:a16="http://schemas.microsoft.com/office/drawing/2014/main" id="{123080E3-A669-44B4-BA6C-69ED3C3D0B7A}"/>
+                </a:ext>
+              </a:extLst>
+            </p:cNvPr>
+            <p:cNvSpPr txBox="1"/>
+            <p:nvPr/>
+          </p:nvSpPr>
+          <p:spPr>
+            <a:xfrm>
+              <a:off x="2452443" y="1636139"/>
+              <a:ext cx="1803633" cy="369332"/>
+            </a:xfrm>
+            <a:prstGeom prst="rect">
+              <a:avLst/>
+            </a:prstGeom>
+            <a:noFill/>
+          </p:spPr>
+          <p:txBody>
+            <a:bodyPr wrap="square" rtlCol="0">
+              <a:spAutoFit/>
+            </a:bodyPr>
+            <a:lstStyle/>
+            <a:p>
+              <a:r>
+                <a:rPr lang="en-US" altLang="ja-JP" dirty="0"/>
+                <a:t>3</a:t>
+              </a:r>
+              <a:r>
+                <a:rPr kumimoji="1" lang="ja-JP" altLang="en-US" dirty="0"/>
+                <a:t>、</a:t>
+              </a:r>
+              <a:r>
+                <a:rPr lang="en-US" altLang="ja-JP" dirty="0"/>
+                <a:t>9</a:t>
+              </a:r>
+              <a:endParaRPr kumimoji="1" lang="ja-JP" altLang="en-US" dirty="0"/>
+            </a:p>
+          </p:txBody>
+        </p:sp>
+        <p:sp>
+          <p:nvSpPr>
+            <p:cNvPr id="38" name="テキスト ボックス 37">
+              <a:extLst>
+                <a:ext uri="{FF2B5EF4-FFF2-40B4-BE49-F238E27FC236}">
+                  <a16:creationId xmlns:a16="http://schemas.microsoft.com/office/drawing/2014/main" id="{64C994DA-A7BB-4DE9-B154-99155864C1A8}"/>
+                </a:ext>
+              </a:extLst>
+            </p:cNvPr>
+            <p:cNvSpPr txBox="1"/>
+            <p:nvPr/>
+          </p:nvSpPr>
+          <p:spPr>
+            <a:xfrm>
+              <a:off x="4685519" y="3257923"/>
+              <a:ext cx="1803633" cy="369332"/>
+            </a:xfrm>
+            <a:prstGeom prst="rect">
+              <a:avLst/>
+            </a:prstGeom>
+            <a:noFill/>
+          </p:spPr>
+          <p:txBody>
+            <a:bodyPr wrap="square" rtlCol="0">
+              <a:spAutoFit/>
+            </a:bodyPr>
+            <a:lstStyle/>
+            <a:p>
+              <a:r>
+                <a:rPr lang="en-US" altLang="ja-JP" dirty="0"/>
+                <a:t>4</a:t>
+              </a:r>
+              <a:r>
+                <a:rPr kumimoji="1" lang="ja-JP" altLang="en-US" dirty="0"/>
+                <a:t>、</a:t>
+              </a:r>
+              <a:r>
+                <a:rPr kumimoji="1" lang="en-US" altLang="ja-JP" dirty="0"/>
+                <a:t>10</a:t>
+              </a:r>
+              <a:endParaRPr kumimoji="1" lang="ja-JP" altLang="en-US" dirty="0"/>
+            </a:p>
+          </p:txBody>
+        </p:sp>
+        <p:sp>
+          <p:nvSpPr>
+            <p:cNvPr id="39" name="テキスト ボックス 38">
+              <a:extLst>
+                <a:ext uri="{FF2B5EF4-FFF2-40B4-BE49-F238E27FC236}">
+                  <a16:creationId xmlns:a16="http://schemas.microsoft.com/office/drawing/2014/main" id="{D0835112-1C45-4403-B5B0-FE5EE9B520A1}"/>
+                </a:ext>
+              </a:extLst>
+            </p:cNvPr>
+            <p:cNvSpPr txBox="1"/>
+            <p:nvPr/>
+          </p:nvSpPr>
+          <p:spPr>
+            <a:xfrm>
+              <a:off x="671865" y="3124623"/>
+              <a:ext cx="1803633" cy="369332"/>
+            </a:xfrm>
+            <a:prstGeom prst="rect">
+              <a:avLst/>
+            </a:prstGeom>
+            <a:noFill/>
+          </p:spPr>
+          <p:txBody>
+            <a:bodyPr wrap="square" rtlCol="0">
+              <a:spAutoFit/>
+            </a:bodyPr>
+            <a:lstStyle/>
+            <a:p>
+              <a:r>
+                <a:rPr lang="en-US" altLang="ja-JP" dirty="0"/>
+                <a:t>5</a:t>
+              </a:r>
+              <a:r>
+                <a:rPr kumimoji="1" lang="ja-JP" altLang="en-US" dirty="0"/>
+                <a:t>、</a:t>
+              </a:r>
+              <a:r>
+                <a:rPr kumimoji="1" lang="en-US" altLang="ja-JP" dirty="0"/>
+                <a:t>11</a:t>
+              </a:r>
+              <a:endParaRPr kumimoji="1" lang="ja-JP" altLang="en-US" dirty="0"/>
+            </a:p>
+          </p:txBody>
+        </p:sp>
+        <p:cxnSp>
+          <p:nvCxnSpPr>
+            <p:cNvPr id="44" name="直線コネクタ 43">
+              <a:extLst>
+                <a:ext uri="{FF2B5EF4-FFF2-40B4-BE49-F238E27FC236}">
+                  <a16:creationId xmlns:a16="http://schemas.microsoft.com/office/drawing/2014/main" id="{04839EDF-6EF9-4B0D-9A64-42129334A10C}"/>
+                </a:ext>
+              </a:extLst>
+            </p:cNvPr>
+            <p:cNvCxnSpPr>
+              <a:cxnSpLocks/>
+            </p:cNvCxnSpPr>
+            <p:nvPr/>
+          </p:nvCxnSpPr>
+          <p:spPr>
+            <a:xfrm flipV="1">
+              <a:off x="1596388" y="3318805"/>
+              <a:ext cx="2960114" cy="3005954"/>
+            </a:xfrm>
+            <a:prstGeom prst="line">
+              <a:avLst/>
+            </a:prstGeom>
+            <a:ln w="38100"/>
+          </p:spPr>
+          <p:style>
+            <a:lnRef idx="1">
+              <a:schemeClr val="accent1"/>
+            </a:lnRef>
+            <a:fillRef idx="0">
+              <a:schemeClr val="accent1"/>
+            </a:fillRef>
+            <a:effectRef idx="0">
+              <a:schemeClr val="accent1"/>
+            </a:effectRef>
+            <a:fontRef idx="minor">
+              <a:schemeClr val="tx1"/>
+            </a:fontRef>
+          </p:style>
+        </p:cxnSp>
+        <p:cxnSp>
+          <p:nvCxnSpPr>
+            <p:cNvPr id="48" name="直線コネクタ 47">
+              <a:extLst>
+                <a:ext uri="{FF2B5EF4-FFF2-40B4-BE49-F238E27FC236}">
+                  <a16:creationId xmlns:a16="http://schemas.microsoft.com/office/drawing/2014/main" id="{8A158E1A-9451-487C-A2F8-E135EE0326F3}"/>
+                </a:ext>
+              </a:extLst>
+            </p:cNvPr>
+            <p:cNvCxnSpPr>
+              <a:cxnSpLocks/>
+            </p:cNvCxnSpPr>
+            <p:nvPr/>
+          </p:nvCxnSpPr>
+          <p:spPr>
+            <a:xfrm flipV="1">
+              <a:off x="4579833" y="1727484"/>
+              <a:ext cx="1711500" cy="4604719"/>
+            </a:xfrm>
+            <a:prstGeom prst="line">
+              <a:avLst/>
+            </a:prstGeom>
+            <a:ln w="38100"/>
+          </p:spPr>
+          <p:style>
+            <a:lnRef idx="1">
+              <a:schemeClr val="accent1"/>
+            </a:lnRef>
+            <a:fillRef idx="0">
+              <a:schemeClr val="accent1"/>
+            </a:fillRef>
+            <a:effectRef idx="0">
+              <a:schemeClr val="accent1"/>
+            </a:effectRef>
+            <a:fontRef idx="minor">
+              <a:schemeClr val="tx1"/>
+            </a:fontRef>
+          </p:style>
+        </p:cxnSp>
+        <p:cxnSp>
+          <p:nvCxnSpPr>
+            <p:cNvPr id="52" name="直線コネクタ 51">
+              <a:extLst>
+                <a:ext uri="{FF2B5EF4-FFF2-40B4-BE49-F238E27FC236}">
+                  <a16:creationId xmlns:a16="http://schemas.microsoft.com/office/drawing/2014/main" id="{A9F5502F-2B94-4D96-9026-B454D239B530}"/>
+                </a:ext>
+              </a:extLst>
+            </p:cNvPr>
+            <p:cNvCxnSpPr>
+              <a:cxnSpLocks/>
+            </p:cNvCxnSpPr>
+            <p:nvPr/>
+          </p:nvCxnSpPr>
+          <p:spPr>
+            <a:xfrm flipH="1" flipV="1">
+              <a:off x="3325685" y="1712734"/>
+              <a:ext cx="2979319" cy="3006071"/>
+            </a:xfrm>
+            <a:prstGeom prst="line">
+              <a:avLst/>
+            </a:prstGeom>
+            <a:ln w="38100">
+              <a:prstDash val="sysDash"/>
+            </a:ln>
+          </p:spPr>
+          <p:style>
+            <a:lnRef idx="1">
+              <a:schemeClr val="accent1"/>
+            </a:lnRef>
+            <a:fillRef idx="0">
+              <a:schemeClr val="accent1"/>
+            </a:fillRef>
+            <a:effectRef idx="0">
+              <a:schemeClr val="accent1"/>
+            </a:effectRef>
+            <a:fontRef idx="minor">
+              <a:schemeClr val="tx1"/>
+            </a:fontRef>
+          </p:style>
+        </p:cxnSp>
+        <p:cxnSp>
+          <p:nvCxnSpPr>
+            <p:cNvPr id="53" name="直線コネクタ 52">
+              <a:extLst>
+                <a:ext uri="{FF2B5EF4-FFF2-40B4-BE49-F238E27FC236}">
+                  <a16:creationId xmlns:a16="http://schemas.microsoft.com/office/drawing/2014/main" id="{196DD858-E4D5-4923-B0DB-589A7D913F4F}"/>
+                </a:ext>
+              </a:extLst>
+            </p:cNvPr>
+            <p:cNvCxnSpPr>
+              <a:cxnSpLocks/>
+            </p:cNvCxnSpPr>
+            <p:nvPr/>
+          </p:nvCxnSpPr>
+          <p:spPr>
+            <a:xfrm flipH="1" flipV="1">
+              <a:off x="1571902" y="3295634"/>
+              <a:ext cx="1734829" cy="1409804"/>
+            </a:xfrm>
+            <a:prstGeom prst="line">
+              <a:avLst/>
+            </a:prstGeom>
+            <a:ln w="38100">
+              <a:prstDash val="sysDash"/>
+            </a:ln>
+          </p:spPr>
+          <p:style>
+            <a:lnRef idx="1">
+              <a:schemeClr val="accent1"/>
+            </a:lnRef>
+            <a:fillRef idx="0">
+              <a:schemeClr val="accent1"/>
+            </a:fillRef>
+            <a:effectRef idx="0">
+              <a:schemeClr val="accent1"/>
+            </a:effectRef>
+            <a:fontRef idx="minor">
+              <a:schemeClr val="tx1"/>
+            </a:fontRef>
+          </p:style>
+        </p:cxnSp>
+        <p:cxnSp>
+          <p:nvCxnSpPr>
+            <p:cNvPr id="62" name="直線矢印コネクタ 61">
+              <a:extLst>
+                <a:ext uri="{FF2B5EF4-FFF2-40B4-BE49-F238E27FC236}">
+                  <a16:creationId xmlns:a16="http://schemas.microsoft.com/office/drawing/2014/main" id="{5B8D3CDF-FE10-4E43-AA24-260A974194CC}"/>
+                </a:ext>
+              </a:extLst>
+            </p:cNvPr>
+            <p:cNvCxnSpPr>
+              <a:cxnSpLocks/>
+            </p:cNvCxnSpPr>
+            <p:nvPr/>
+          </p:nvCxnSpPr>
+          <p:spPr>
+            <a:xfrm flipV="1">
+              <a:off x="6905858" y="1961387"/>
+              <a:ext cx="18340" cy="1644923"/>
+            </a:xfrm>
+            <a:prstGeom prst="straightConnector1">
+              <a:avLst/>
+            </a:prstGeom>
+            <a:ln w="38100">
+              <a:tailEnd type="triangle"/>
+            </a:ln>
+          </p:spPr>
+          <p:style>
+            <a:lnRef idx="1">
+              <a:schemeClr val="accent1"/>
+            </a:lnRef>
+            <a:fillRef idx="0">
+              <a:schemeClr val="accent1"/>
+            </a:fillRef>
+            <a:effectRef idx="0">
+              <a:schemeClr val="accent1"/>
+            </a:effectRef>
+            <a:fontRef idx="minor">
+              <a:schemeClr val="tx1"/>
+            </a:fontRef>
+          </p:style>
+        </p:cxnSp>
+        <p:cxnSp>
+          <p:nvCxnSpPr>
+            <p:cNvPr id="64" name="直線矢印コネクタ 63">
+              <a:extLst>
+                <a:ext uri="{FF2B5EF4-FFF2-40B4-BE49-F238E27FC236}">
+                  <a16:creationId xmlns:a16="http://schemas.microsoft.com/office/drawing/2014/main" id="{E4A5BF1A-4284-48DC-962D-707B786E62A2}"/>
+                </a:ext>
+              </a:extLst>
+            </p:cNvPr>
+            <p:cNvCxnSpPr>
+              <a:cxnSpLocks/>
+            </p:cNvCxnSpPr>
+            <p:nvPr/>
+          </p:nvCxnSpPr>
+          <p:spPr>
+            <a:xfrm flipH="1">
+              <a:off x="6499027" y="3217691"/>
+              <a:ext cx="1172413" cy="6803"/>
+            </a:xfrm>
+            <a:prstGeom prst="straightConnector1">
+              <a:avLst/>
+            </a:prstGeom>
+            <a:ln w="38100">
+              <a:tailEnd type="triangle"/>
+            </a:ln>
+          </p:spPr>
+          <p:style>
+            <a:lnRef idx="1">
+              <a:schemeClr val="accent1"/>
+            </a:lnRef>
+            <a:fillRef idx="0">
+              <a:schemeClr val="accent1"/>
+            </a:fillRef>
+            <a:effectRef idx="0">
+              <a:schemeClr val="accent1"/>
+            </a:effectRef>
+            <a:fontRef idx="minor">
+              <a:schemeClr val="tx1"/>
+            </a:fontRef>
+          </p:style>
+        </p:cxnSp>
+        <p:sp>
+          <p:nvSpPr>
+            <p:cNvPr id="67" name="テキスト ボックス 66">
+              <a:extLst>
+                <a:ext uri="{FF2B5EF4-FFF2-40B4-BE49-F238E27FC236}">
+                  <a16:creationId xmlns:a16="http://schemas.microsoft.com/office/drawing/2014/main" id="{39876E90-4C5B-43EB-8226-785D3EED5983}"/>
+                </a:ext>
+              </a:extLst>
+            </p:cNvPr>
+            <p:cNvSpPr txBox="1"/>
+            <p:nvPr/>
+          </p:nvSpPr>
+          <p:spPr>
+            <a:xfrm>
+              <a:off x="6915029" y="1864863"/>
+              <a:ext cx="314982" cy="369332"/>
+            </a:xfrm>
+            <a:prstGeom prst="rect">
+              <a:avLst/>
+            </a:prstGeom>
+            <a:noFill/>
+          </p:spPr>
+          <p:txBody>
+            <a:bodyPr wrap="square" rtlCol="0">
+              <a:spAutoFit/>
+            </a:bodyPr>
+            <a:lstStyle/>
+            <a:p>
+              <a:r>
+                <a:rPr lang="en-US" altLang="ja-JP" dirty="0"/>
+                <a:t>y</a:t>
+              </a:r>
+              <a:endParaRPr kumimoji="1" lang="ja-JP" altLang="en-US" dirty="0"/>
+            </a:p>
+          </p:txBody>
+        </p:sp>
+        <p:sp>
+          <p:nvSpPr>
+            <p:cNvPr id="68" name="テキスト ボックス 67">
+              <a:extLst>
+                <a:ext uri="{FF2B5EF4-FFF2-40B4-BE49-F238E27FC236}">
+                  <a16:creationId xmlns:a16="http://schemas.microsoft.com/office/drawing/2014/main" id="{E2F70A28-D1B1-4B15-A78E-6D958CA58F98}"/>
+                </a:ext>
+              </a:extLst>
+            </p:cNvPr>
+            <p:cNvSpPr txBox="1"/>
+            <p:nvPr/>
+          </p:nvSpPr>
+          <p:spPr>
+            <a:xfrm>
+              <a:off x="7742851" y="2195011"/>
+              <a:ext cx="314982" cy="369332"/>
+            </a:xfrm>
+            <a:prstGeom prst="rect">
+              <a:avLst/>
+            </a:prstGeom>
+            <a:noFill/>
+          </p:spPr>
+          <p:txBody>
+            <a:bodyPr wrap="square" rtlCol="0">
+              <a:spAutoFit/>
+            </a:bodyPr>
+            <a:lstStyle/>
+            <a:p>
+              <a:r>
+                <a:rPr lang="en-US" altLang="ja-JP" dirty="0"/>
+                <a:t>x</a:t>
+              </a:r>
+              <a:endParaRPr kumimoji="1" lang="ja-JP" altLang="en-US" dirty="0"/>
+            </a:p>
+          </p:txBody>
+        </p:sp>
+        <p:sp>
+          <p:nvSpPr>
+            <p:cNvPr id="69" name="テキスト ボックス 68">
+              <a:extLst>
+                <a:ext uri="{FF2B5EF4-FFF2-40B4-BE49-F238E27FC236}">
+                  <a16:creationId xmlns:a16="http://schemas.microsoft.com/office/drawing/2014/main" id="{640E9B39-0AE7-4407-A7EC-43EFB3A65169}"/>
+                </a:ext>
+              </a:extLst>
+            </p:cNvPr>
+            <p:cNvSpPr txBox="1"/>
+            <p:nvPr/>
+          </p:nvSpPr>
+          <p:spPr>
+            <a:xfrm>
+              <a:off x="7607344" y="2997639"/>
+              <a:ext cx="302774" cy="369332"/>
+            </a:xfrm>
+            <a:prstGeom prst="rect">
+              <a:avLst/>
+            </a:prstGeom>
+            <a:noFill/>
+          </p:spPr>
+          <p:txBody>
+            <a:bodyPr wrap="square" rtlCol="0">
+              <a:spAutoFit/>
+            </a:bodyPr>
+            <a:lstStyle/>
+            <a:p>
+              <a:r>
+                <a:rPr kumimoji="1" lang="en-US" altLang="ja-JP" dirty="0"/>
+                <a:t>z</a:t>
+              </a:r>
+              <a:endParaRPr kumimoji="1" lang="ja-JP" altLang="en-US" dirty="0"/>
+            </a:p>
+          </p:txBody>
+        </p:sp>
+      </p:grpSp>
+      <p:sp>
+        <p:nvSpPr>
+          <p:cNvPr id="70" name="テキスト ボックス 69">
+            <a:extLst>
+              <a:ext uri="{FF2B5EF4-FFF2-40B4-BE49-F238E27FC236}">
+                <a16:creationId xmlns:a16="http://schemas.microsoft.com/office/drawing/2014/main" id="{6D940F09-3657-4CAF-877B-73168DAEA1C4}"/>
+              </a:ext>
+            </a:extLst>
+          </p:cNvPr>
+          <p:cNvSpPr txBox="1"/>
+          <p:nvPr/>
+        </p:nvSpPr>
+        <p:spPr>
+          <a:xfrm>
+            <a:off x="8261296" y="1820805"/>
+            <a:ext cx="1033392" cy="3139321"/>
+          </a:xfrm>
+          <a:prstGeom prst="rect">
+            <a:avLst/>
+          </a:prstGeom>
+          <a:noFill/>
+        </p:spPr>
+        <p:txBody>
+          <a:bodyPr wrap="square" rtlCol="0">
+            <a:spAutoFit/>
+          </a:bodyPr>
+          <a:lstStyle/>
+          <a:p>
+            <a:r>
+              <a:rPr kumimoji="1" lang="en-US" altLang="ja-JP" dirty="0"/>
+              <a:t>(1,3,0)</a:t>
+            </a:r>
+          </a:p>
+          <a:p>
+            <a:r>
+              <a:rPr lang="en-US" altLang="ja-JP" dirty="0"/>
+              <a:t>(3,2,0)</a:t>
+            </a:r>
+          </a:p>
+          <a:p>
+            <a:r>
+              <a:rPr lang="en-US" altLang="ja-JP" dirty="0"/>
+              <a:t> </a:t>
+            </a:r>
+          </a:p>
+          <a:p>
+            <a:r>
+              <a:rPr lang="en-US" altLang="ja-JP" dirty="0"/>
+              <a:t>(7,6,4)</a:t>
+            </a:r>
+          </a:p>
+          <a:p>
+            <a:r>
+              <a:rPr lang="en-US" altLang="ja-JP" dirty="0"/>
+              <a:t>(5,7,4)</a:t>
+            </a:r>
+          </a:p>
+          <a:p>
+            <a:endParaRPr lang="en-US" altLang="ja-JP" dirty="0"/>
+          </a:p>
+          <a:p>
+            <a:r>
+              <a:rPr lang="en-US" altLang="ja-JP" dirty="0"/>
+              <a:t>(2,4,0) </a:t>
+            </a:r>
+          </a:p>
+          <a:p>
+            <a:r>
+              <a:rPr lang="en-US" altLang="ja-JP" dirty="0"/>
+              <a:t>(4,6,0) </a:t>
+            </a:r>
+          </a:p>
+          <a:p>
+            <a:endParaRPr lang="en-US" altLang="ja-JP" dirty="0"/>
+          </a:p>
+          <a:p>
+            <a:r>
+              <a:rPr lang="en-US" altLang="ja-JP" dirty="0"/>
+              <a:t>(7,3,1) </a:t>
+            </a:r>
+          </a:p>
+          <a:p>
+            <a:r>
+              <a:rPr lang="en-US" altLang="ja-JP" dirty="0"/>
+              <a:t>(5,3,7)</a:t>
+            </a:r>
+            <a:endParaRPr kumimoji="1" lang="ja-JP" altLang="en-US" dirty="0"/>
+          </a:p>
+        </p:txBody>
+      </p:sp>
+    </p:spTree>
+    <p:extLst>
+      <p:ext uri="{BB962C8B-B14F-4D97-AF65-F5344CB8AC3E}">
+        <p14:creationId xmlns:p14="http://schemas.microsoft.com/office/powerpoint/2010/main" val="3483350804"/>
+      </p:ext>
+    </p:extLst>
+  </p:cSld>
+  <p:clrMapOvr>
+    <a:masterClrMapping/>
+  </p:clrMapOvr>
+</p:sld>
+</file>
+
+<file path=ppt/slides/slide5.xml><?xml version="1.0" encoding="utf-8"?>
+<p:sld xmlns:a="http://schemas.openxmlformats.org/drawingml/2006/main" xmlns:r="http://schemas.openxmlformats.org/officeDocument/2006/relationships" xmlns:p="http://schemas.openxmlformats.org/presentationml/2006/main">
+  <p:cSld>
+    <p:spTree>
+      <p:nvGrpSpPr>
+        <p:cNvPr id="1" name=""/>
+        <p:cNvGrpSpPr/>
+        <p:nvPr/>
+      </p:nvGrpSpPr>
+      <p:grpSpPr>
+        <a:xfrm>
+          <a:off x="0" y="0"/>
+          <a:ext cx="0" cy="0"/>
+          <a:chOff x="0" y="0"/>
+          <a:chExt cx="0" cy="0"/>
+        </a:xfrm>
+      </p:grpSpPr>
+      <p:sp>
+        <p:nvSpPr>
+          <p:cNvPr id="2" name="タイトル 1">
+            <a:extLst>
+              <a:ext uri="{FF2B5EF4-FFF2-40B4-BE49-F238E27FC236}">
+                <a16:creationId xmlns:a16="http://schemas.microsoft.com/office/drawing/2014/main" id="{C55A72AD-4605-4F09-8B68-C81F6D1C3BA2}"/>
+              </a:ext>
+            </a:extLst>
+          </p:cNvPr>
+          <p:cNvSpPr>
+            <a:spLocks noGrp="1"/>
+          </p:cNvSpPr>
+          <p:nvPr>
+            <p:ph type="title"/>
+          </p:nvPr>
+        </p:nvSpPr>
+        <p:spPr/>
+        <p:txBody>
+          <a:bodyPr>
+            <a:normAutofit/>
+          </a:bodyPr>
+          <a:lstStyle/>
+          <a:p>
+            <a:r>
+              <a:rPr kumimoji="1" lang="ja-JP" altLang="en-US" dirty="0"/>
+              <a:t>トーラス</a:t>
+            </a:r>
+            <a:br>
+              <a:rPr kumimoji="1" lang="en-US" altLang="ja-JP" dirty="0"/>
+            </a:br>
+            <a:r>
+              <a:rPr kumimoji="1" lang="ja-JP" altLang="en-US" dirty="0"/>
+              <a:t>頂点情報 及び </a:t>
+            </a:r>
+            <a:r>
+              <a:rPr lang="ja-JP" altLang="en-US" dirty="0"/>
+              <a:t>面当たりの割り当て頂点</a:t>
+            </a:r>
+            <a:r>
+              <a:rPr lang="en-US" altLang="ja-JP" dirty="0"/>
+              <a:t>2</a:t>
+            </a:r>
+            <a:endParaRPr kumimoji="1" lang="ja-JP" altLang="en-US" dirty="0"/>
+          </a:p>
+        </p:txBody>
+      </p:sp>
+      <p:sp>
+        <p:nvSpPr>
+          <p:cNvPr id="70" name="テキスト ボックス 69">
+            <a:extLst>
+              <a:ext uri="{FF2B5EF4-FFF2-40B4-BE49-F238E27FC236}">
+                <a16:creationId xmlns:a16="http://schemas.microsoft.com/office/drawing/2014/main" id="{6D940F09-3657-4CAF-877B-73168DAEA1C4}"/>
+              </a:ext>
+            </a:extLst>
+          </p:cNvPr>
+          <p:cNvSpPr txBox="1"/>
+          <p:nvPr/>
+        </p:nvSpPr>
+        <p:spPr>
+          <a:xfrm>
+            <a:off x="5544930" y="2394376"/>
+            <a:ext cx="1033392" cy="3139321"/>
+          </a:xfrm>
+          <a:prstGeom prst="rect">
+            <a:avLst/>
+          </a:prstGeom>
+          <a:noFill/>
+        </p:spPr>
+        <p:txBody>
+          <a:bodyPr wrap="square" rtlCol="0">
+            <a:spAutoFit/>
+          </a:bodyPr>
+          <a:lstStyle/>
+          <a:p>
+            <a:r>
+              <a:rPr kumimoji="1" lang="en-US" altLang="ja-JP" dirty="0"/>
+              <a:t>(1,3,0)</a:t>
+            </a:r>
+          </a:p>
+          <a:p>
+            <a:r>
+              <a:rPr lang="en-US" altLang="ja-JP" dirty="0"/>
+              <a:t>(3,2,0)</a:t>
+            </a:r>
+          </a:p>
+          <a:p>
+            <a:r>
+              <a:rPr lang="en-US" altLang="ja-JP" dirty="0"/>
+              <a:t> </a:t>
+            </a:r>
+          </a:p>
+          <a:p>
+            <a:r>
+              <a:rPr lang="en-US" altLang="ja-JP" dirty="0"/>
+              <a:t>(7,6,4)</a:t>
+            </a:r>
+          </a:p>
+          <a:p>
+            <a:r>
+              <a:rPr lang="en-US" altLang="ja-JP" dirty="0"/>
+              <a:t>(5,7,4)</a:t>
+            </a:r>
+          </a:p>
+          <a:p>
+            <a:endParaRPr lang="en-US" altLang="ja-JP" dirty="0"/>
+          </a:p>
+          <a:p>
+            <a:r>
+              <a:rPr lang="en-US" altLang="ja-JP" dirty="0"/>
+              <a:t>(2,4,0) </a:t>
+            </a:r>
+          </a:p>
+          <a:p>
+            <a:r>
+              <a:rPr lang="en-US" altLang="ja-JP" dirty="0"/>
+              <a:t>(4,6,0) </a:t>
+            </a:r>
+          </a:p>
+          <a:p>
+            <a:endParaRPr lang="en-US" altLang="ja-JP" dirty="0"/>
+          </a:p>
+          <a:p>
+            <a:r>
+              <a:rPr lang="en-US" altLang="ja-JP" dirty="0"/>
+              <a:t>(7,3,1) </a:t>
+            </a:r>
+          </a:p>
+          <a:p>
+            <a:r>
+              <a:rPr lang="en-US" altLang="ja-JP" dirty="0"/>
+              <a:t>(5,3,7)</a:t>
+            </a:r>
+            <a:endParaRPr kumimoji="1" lang="ja-JP" altLang="en-US" dirty="0"/>
+          </a:p>
+        </p:txBody>
+      </p:sp>
+      <p:sp>
+        <p:nvSpPr>
+          <p:cNvPr id="28" name="テキスト ボックス 27">
+            <a:extLst>
+              <a:ext uri="{FF2B5EF4-FFF2-40B4-BE49-F238E27FC236}">
+                <a16:creationId xmlns:a16="http://schemas.microsoft.com/office/drawing/2014/main" id="{43B182ED-F046-451E-89D5-2CFF8A93D7EE}"/>
+              </a:ext>
+            </a:extLst>
+          </p:cNvPr>
+          <p:cNvSpPr txBox="1"/>
+          <p:nvPr/>
+        </p:nvSpPr>
+        <p:spPr>
+          <a:xfrm>
+            <a:off x="5544930" y="1730074"/>
+            <a:ext cx="1250418" cy="664302"/>
+          </a:xfrm>
+          <a:prstGeom prst="rect">
+            <a:avLst/>
+          </a:prstGeom>
+          <a:noFill/>
+        </p:spPr>
+        <p:txBody>
+          <a:bodyPr wrap="square" rtlCol="0">
+            <a:spAutoFit/>
+          </a:bodyPr>
+          <a:lstStyle/>
+          <a:p>
+            <a:r>
+              <a:rPr lang="ja-JP" altLang="en-US" dirty="0"/>
+              <a:t>見かけの</a:t>
+            </a:r>
+            <a:br>
+              <a:rPr lang="en-US" altLang="ja-JP" dirty="0"/>
+            </a:br>
+            <a:r>
+              <a:rPr lang="ja-JP" altLang="en-US" dirty="0"/>
+              <a:t>割り当て</a:t>
+            </a:r>
+            <a:endParaRPr kumimoji="1" lang="ja-JP" altLang="en-US" dirty="0"/>
+          </a:p>
+        </p:txBody>
+      </p:sp>
+      <p:sp>
+        <p:nvSpPr>
+          <p:cNvPr id="29" name="テキスト ボックス 28">
+            <a:extLst>
+              <a:ext uri="{FF2B5EF4-FFF2-40B4-BE49-F238E27FC236}">
+                <a16:creationId xmlns:a16="http://schemas.microsoft.com/office/drawing/2014/main" id="{34CB4E27-0B3E-4248-B836-8D874A14CA68}"/>
+              </a:ext>
+            </a:extLst>
+          </p:cNvPr>
+          <p:cNvSpPr txBox="1"/>
+          <p:nvPr/>
+        </p:nvSpPr>
+        <p:spPr>
+          <a:xfrm>
+            <a:off x="9129028" y="1690688"/>
+            <a:ext cx="1222381" cy="664302"/>
+          </a:xfrm>
+          <a:prstGeom prst="rect">
+            <a:avLst/>
+          </a:prstGeom>
+          <a:noFill/>
+        </p:spPr>
+        <p:txBody>
+          <a:bodyPr wrap="square" rtlCol="0">
+            <a:spAutoFit/>
+          </a:bodyPr>
+          <a:lstStyle/>
+          <a:p>
+            <a:r>
+              <a:rPr lang="ja-JP" altLang="en-US" dirty="0"/>
+              <a:t>実際の</a:t>
+            </a:r>
+            <a:br>
+              <a:rPr lang="en-US" altLang="ja-JP" dirty="0"/>
+            </a:br>
+            <a:r>
+              <a:rPr lang="ja-JP" altLang="en-US" dirty="0"/>
+              <a:t>割り当て</a:t>
+            </a:r>
+            <a:endParaRPr kumimoji="1" lang="ja-JP" altLang="en-US" dirty="0"/>
+          </a:p>
+        </p:txBody>
+      </p:sp>
+      <p:sp>
+        <p:nvSpPr>
+          <p:cNvPr id="30" name="テキスト ボックス 29">
+            <a:extLst>
+              <a:ext uri="{FF2B5EF4-FFF2-40B4-BE49-F238E27FC236}">
+                <a16:creationId xmlns:a16="http://schemas.microsoft.com/office/drawing/2014/main" id="{EB987176-6F68-44CE-8199-9D0EEF123DEB}"/>
+              </a:ext>
+            </a:extLst>
+          </p:cNvPr>
+          <p:cNvSpPr txBox="1"/>
+          <p:nvPr/>
+        </p:nvSpPr>
+        <p:spPr>
+          <a:xfrm>
+            <a:off x="6742713" y="1731215"/>
+            <a:ext cx="1942717" cy="664302"/>
+          </a:xfrm>
+          <a:prstGeom prst="rect">
+            <a:avLst/>
+          </a:prstGeom>
+          <a:noFill/>
+        </p:spPr>
+        <p:txBody>
+          <a:bodyPr wrap="square" rtlCol="0">
+            <a:spAutoFit/>
+          </a:bodyPr>
+          <a:lstStyle/>
+          <a:p>
+            <a:r>
+              <a:rPr lang="ja-JP" altLang="en-US" dirty="0"/>
+              <a:t>重複を考慮した</a:t>
+            </a:r>
+            <a:br>
+              <a:rPr lang="en-US" altLang="ja-JP" dirty="0"/>
+            </a:br>
+            <a:r>
+              <a:rPr lang="ja-JP" altLang="en-US" dirty="0"/>
+              <a:t>割り当て</a:t>
+            </a:r>
+            <a:endParaRPr kumimoji="1" lang="ja-JP" altLang="en-US" dirty="0"/>
+          </a:p>
+        </p:txBody>
+      </p:sp>
+      <p:sp>
+        <p:nvSpPr>
+          <p:cNvPr id="40" name="テキスト ボックス 39">
+            <a:extLst>
+              <a:ext uri="{FF2B5EF4-FFF2-40B4-BE49-F238E27FC236}">
+                <a16:creationId xmlns:a16="http://schemas.microsoft.com/office/drawing/2014/main" id="{6391AA2C-7893-4FC0-BB7B-BB7EE0D0B7F5}"/>
+              </a:ext>
+            </a:extLst>
+          </p:cNvPr>
+          <p:cNvSpPr txBox="1"/>
+          <p:nvPr/>
+        </p:nvSpPr>
+        <p:spPr>
+          <a:xfrm>
+            <a:off x="6795348" y="2394376"/>
+            <a:ext cx="1890082" cy="3139321"/>
+          </a:xfrm>
+          <a:prstGeom prst="rect">
+            <a:avLst/>
+          </a:prstGeom>
+          <a:noFill/>
+        </p:spPr>
+        <p:txBody>
+          <a:bodyPr wrap="square" rtlCol="0">
+            <a:spAutoFit/>
+          </a:bodyPr>
+          <a:lstStyle/>
+          <a:p>
+            <a:r>
+              <a:rPr kumimoji="1" lang="en-US" altLang="ja-JP" dirty="0"/>
+              <a:t>(1,3,0)</a:t>
+            </a:r>
+          </a:p>
+          <a:p>
+            <a:r>
+              <a:rPr lang="en-US" altLang="ja-JP" dirty="0"/>
+              <a:t>(3,2,0)</a:t>
+            </a:r>
+          </a:p>
+          <a:p>
+            <a:r>
+              <a:rPr lang="en-US" altLang="ja-JP" dirty="0"/>
+              <a:t> </a:t>
+            </a:r>
+          </a:p>
+          <a:p>
+            <a:r>
+              <a:rPr lang="en-US" altLang="ja-JP" dirty="0"/>
+              <a:t>(7,6,4)</a:t>
+            </a:r>
+          </a:p>
+          <a:p>
+            <a:r>
+              <a:rPr lang="en-US" altLang="ja-JP" dirty="0"/>
+              <a:t>(5,7,4)</a:t>
+            </a:r>
+          </a:p>
+          <a:p>
+            <a:endParaRPr lang="en-US" altLang="ja-JP" dirty="0"/>
+          </a:p>
+          <a:p>
+            <a:r>
+              <a:rPr lang="en-US" altLang="ja-JP" dirty="0"/>
+              <a:t>(2+8,4+8,0+8) </a:t>
+            </a:r>
+          </a:p>
+          <a:p>
+            <a:r>
+              <a:rPr lang="en-US" altLang="ja-JP" dirty="0"/>
+              <a:t>(4+8,6+8,0+8) </a:t>
+            </a:r>
+          </a:p>
+          <a:p>
+            <a:endParaRPr lang="en-US" altLang="ja-JP" dirty="0"/>
+          </a:p>
+          <a:p>
+            <a:r>
+              <a:rPr lang="en-US" altLang="ja-JP" dirty="0"/>
+              <a:t>(7+8,3+8,1+8) </a:t>
+            </a:r>
+          </a:p>
+          <a:p>
+            <a:r>
+              <a:rPr lang="en-US" altLang="ja-JP" dirty="0"/>
+              <a:t>(5+8,3+8,7+8)</a:t>
+            </a:r>
+            <a:endParaRPr kumimoji="1" lang="ja-JP" altLang="en-US" dirty="0"/>
+          </a:p>
+        </p:txBody>
+      </p:sp>
+      <p:sp>
+        <p:nvSpPr>
+          <p:cNvPr id="41" name="テキスト ボックス 40">
+            <a:extLst>
+              <a:ext uri="{FF2B5EF4-FFF2-40B4-BE49-F238E27FC236}">
+                <a16:creationId xmlns:a16="http://schemas.microsoft.com/office/drawing/2014/main" id="{C556D507-F144-42BD-8A0D-E1D2570E1F52}"/>
+              </a:ext>
+            </a:extLst>
+          </p:cNvPr>
+          <p:cNvSpPr txBox="1"/>
+          <p:nvPr/>
+        </p:nvSpPr>
+        <p:spPr>
+          <a:xfrm>
+            <a:off x="8902456" y="2394375"/>
+            <a:ext cx="1890082" cy="3139321"/>
+          </a:xfrm>
+          <a:prstGeom prst="rect">
+            <a:avLst/>
+          </a:prstGeom>
+          <a:noFill/>
+        </p:spPr>
+        <p:txBody>
+          <a:bodyPr wrap="square" rtlCol="0">
+            <a:spAutoFit/>
+          </a:bodyPr>
+          <a:lstStyle/>
+          <a:p>
+            <a:r>
+              <a:rPr kumimoji="1" lang="en-US" altLang="ja-JP" dirty="0"/>
+              <a:t>(1,3,0)</a:t>
+            </a:r>
+          </a:p>
+          <a:p>
+            <a:r>
+              <a:rPr lang="en-US" altLang="ja-JP" dirty="0"/>
+              <a:t>(3,2,0)</a:t>
+            </a:r>
+          </a:p>
+          <a:p>
+            <a:r>
+              <a:rPr lang="en-US" altLang="ja-JP" dirty="0"/>
+              <a:t> </a:t>
+            </a:r>
+          </a:p>
+          <a:p>
+            <a:r>
+              <a:rPr lang="en-US" altLang="ja-JP" dirty="0"/>
+              <a:t>(7,6,4)</a:t>
+            </a:r>
+          </a:p>
+          <a:p>
+            <a:r>
+              <a:rPr lang="en-US" altLang="ja-JP" dirty="0"/>
+              <a:t>(5,7,4)</a:t>
+            </a:r>
+          </a:p>
+          <a:p>
+            <a:endParaRPr lang="en-US" altLang="ja-JP" dirty="0"/>
+          </a:p>
+          <a:p>
+            <a:r>
+              <a:rPr lang="en-US" altLang="ja-JP" dirty="0"/>
+              <a:t>(10,12,8) </a:t>
+            </a:r>
+          </a:p>
+          <a:p>
+            <a:r>
+              <a:rPr lang="en-US" altLang="ja-JP" dirty="0"/>
+              <a:t>(12,14,8) </a:t>
+            </a:r>
+          </a:p>
+          <a:p>
+            <a:endParaRPr lang="en-US" altLang="ja-JP" dirty="0"/>
+          </a:p>
+          <a:p>
+            <a:r>
+              <a:rPr lang="en-US" altLang="ja-JP" dirty="0"/>
+              <a:t>(15,11,9) </a:t>
+            </a:r>
+          </a:p>
+          <a:p>
+            <a:r>
+              <a:rPr lang="en-US" altLang="ja-JP" dirty="0"/>
+              <a:t>(13,11,15)</a:t>
+            </a:r>
+            <a:endParaRPr kumimoji="1" lang="ja-JP" altLang="en-US" dirty="0"/>
+          </a:p>
+        </p:txBody>
+      </p:sp>
+      <p:pic>
+        <p:nvPicPr>
+          <p:cNvPr id="5" name="図 4">
+            <a:extLst>
+              <a:ext uri="{FF2B5EF4-FFF2-40B4-BE49-F238E27FC236}">
+                <a16:creationId xmlns:a16="http://schemas.microsoft.com/office/drawing/2014/main" id="{8FDE7D59-AA9D-4F6E-8BA6-9E9D01D6954B}"/>
+              </a:ext>
+            </a:extLst>
+          </p:cNvPr>
+          <p:cNvPicPr>
+            <a:picLocks noChangeAspect="1"/>
+          </p:cNvPicPr>
+          <p:nvPr/>
+        </p:nvPicPr>
+        <p:blipFill>
+          <a:blip r:embed="rId2"/>
+          <a:stretch>
+            <a:fillRect/>
+          </a:stretch>
+        </p:blipFill>
+        <p:spPr>
+          <a:xfrm>
+            <a:off x="20467" y="1851557"/>
+            <a:ext cx="5395944" cy="3760678"/>
+          </a:xfrm>
+          <a:prstGeom prst="rect">
+            <a:avLst/>
+          </a:prstGeom>
+        </p:spPr>
+      </p:pic>
+    </p:spTree>
+    <p:extLst>
+      <p:ext uri="{BB962C8B-B14F-4D97-AF65-F5344CB8AC3E}">
+        <p14:creationId xmlns:p14="http://schemas.microsoft.com/office/powerpoint/2010/main" val="3550463862"/>
+      </p:ext>
+    </p:extLst>
+  </p:cSld>
+  <p:clrMapOvr>
+    <a:masterClrMapping/>
+  </p:clrMapOvr>
+</p:sld>
+</file>
+
 <file path=ppt/theme/theme1.xml><?xml version="1.0" encoding="utf-8"?>
 <a:theme xmlns:a="http://schemas.openxmlformats.org/drawingml/2006/main" name="Office テーマ">
   <a:themeElements>

--- a/設計/RadiallyInterface.pptx
+++ b/設計/RadiallyInterface.pptx
@@ -263,7 +263,7 @@
           <a:p>
             <a:fld id="{A1C3D703-CE79-4955-8EF1-AD4BD18BA5A1}" type="datetimeFigureOut">
               <a:rPr kumimoji="1" lang="ja-JP" altLang="en-US" smtClean="0"/>
-              <a:t>2019/8/5</a:t>
+              <a:t>2019/8/7</a:t>
             </a:fld>
             <a:endParaRPr kumimoji="1" lang="ja-JP" altLang="en-US"/>
           </a:p>
@@ -493,7 +493,7 @@
           <a:p>
             <a:fld id="{A1C3D703-CE79-4955-8EF1-AD4BD18BA5A1}" type="datetimeFigureOut">
               <a:rPr kumimoji="1" lang="ja-JP" altLang="en-US" smtClean="0"/>
-              <a:t>2019/8/5</a:t>
+              <a:t>2019/8/7</a:t>
             </a:fld>
             <a:endParaRPr kumimoji="1" lang="ja-JP" altLang="en-US"/>
           </a:p>
@@ -733,7 +733,7 @@
           <a:p>
             <a:fld id="{A1C3D703-CE79-4955-8EF1-AD4BD18BA5A1}" type="datetimeFigureOut">
               <a:rPr kumimoji="1" lang="ja-JP" altLang="en-US" smtClean="0"/>
-              <a:t>2019/8/5</a:t>
+              <a:t>2019/8/7</a:t>
             </a:fld>
             <a:endParaRPr kumimoji="1" lang="ja-JP" altLang="en-US"/>
           </a:p>
@@ -963,7 +963,7 @@
           <a:p>
             <a:fld id="{A1C3D703-CE79-4955-8EF1-AD4BD18BA5A1}" type="datetimeFigureOut">
               <a:rPr kumimoji="1" lang="ja-JP" altLang="en-US" smtClean="0"/>
-              <a:t>2019/8/5</a:t>
+              <a:t>2019/8/7</a:t>
             </a:fld>
             <a:endParaRPr kumimoji="1" lang="ja-JP" altLang="en-US"/>
           </a:p>
@@ -1238,7 +1238,7 @@
           <a:p>
             <a:fld id="{A1C3D703-CE79-4955-8EF1-AD4BD18BA5A1}" type="datetimeFigureOut">
               <a:rPr kumimoji="1" lang="ja-JP" altLang="en-US" smtClean="0"/>
-              <a:t>2019/8/5</a:t>
+              <a:t>2019/8/7</a:t>
             </a:fld>
             <a:endParaRPr kumimoji="1" lang="ja-JP" altLang="en-US"/>
           </a:p>
@@ -1567,7 +1567,7 @@
           <a:p>
             <a:fld id="{A1C3D703-CE79-4955-8EF1-AD4BD18BA5A1}" type="datetimeFigureOut">
               <a:rPr kumimoji="1" lang="ja-JP" altLang="en-US" smtClean="0"/>
-              <a:t>2019/8/5</a:t>
+              <a:t>2019/8/7</a:t>
             </a:fld>
             <a:endParaRPr kumimoji="1" lang="ja-JP" altLang="en-US"/>
           </a:p>
@@ -2043,7 +2043,7 @@
           <a:p>
             <a:fld id="{A1C3D703-CE79-4955-8EF1-AD4BD18BA5A1}" type="datetimeFigureOut">
               <a:rPr kumimoji="1" lang="ja-JP" altLang="en-US" smtClean="0"/>
-              <a:t>2019/8/5</a:t>
+              <a:t>2019/8/7</a:t>
             </a:fld>
             <a:endParaRPr kumimoji="1" lang="ja-JP" altLang="en-US"/>
           </a:p>
@@ -2184,7 +2184,7 @@
           <a:p>
             <a:fld id="{A1C3D703-CE79-4955-8EF1-AD4BD18BA5A1}" type="datetimeFigureOut">
               <a:rPr kumimoji="1" lang="ja-JP" altLang="en-US" smtClean="0"/>
-              <a:t>2019/8/5</a:t>
+              <a:t>2019/8/7</a:t>
             </a:fld>
             <a:endParaRPr kumimoji="1" lang="ja-JP" altLang="en-US"/>
           </a:p>
@@ -2297,7 +2297,7 @@
           <a:p>
             <a:fld id="{A1C3D703-CE79-4955-8EF1-AD4BD18BA5A1}" type="datetimeFigureOut">
               <a:rPr kumimoji="1" lang="ja-JP" altLang="en-US" smtClean="0"/>
-              <a:t>2019/8/5</a:t>
+              <a:t>2019/8/7</a:t>
             </a:fld>
             <a:endParaRPr kumimoji="1" lang="ja-JP" altLang="en-US"/>
           </a:p>
@@ -2640,7 +2640,7 @@
           <a:p>
             <a:fld id="{A1C3D703-CE79-4955-8EF1-AD4BD18BA5A1}" type="datetimeFigureOut">
               <a:rPr kumimoji="1" lang="ja-JP" altLang="en-US" smtClean="0"/>
-              <a:t>2019/8/5</a:t>
+              <a:t>2019/8/7</a:t>
             </a:fld>
             <a:endParaRPr kumimoji="1" lang="ja-JP" altLang="en-US"/>
           </a:p>
@@ -2928,7 +2928,7 @@
           <a:p>
             <a:fld id="{A1C3D703-CE79-4955-8EF1-AD4BD18BA5A1}" type="datetimeFigureOut">
               <a:rPr kumimoji="1" lang="ja-JP" altLang="en-US" smtClean="0"/>
-              <a:t>2019/8/5</a:t>
+              <a:t>2019/8/7</a:t>
             </a:fld>
             <a:endParaRPr kumimoji="1" lang="ja-JP" altLang="en-US"/>
           </a:p>
@@ -3201,7 +3201,7 @@
           <a:p>
             <a:fld id="{A1C3D703-CE79-4955-8EF1-AD4BD18BA5A1}" type="datetimeFigureOut">
               <a:rPr kumimoji="1" lang="ja-JP" altLang="en-US" smtClean="0"/>
-              <a:t>2019/8/5</a:t>
+              <a:t>2019/8/7</a:t>
             </a:fld>
             <a:endParaRPr kumimoji="1" lang="ja-JP" altLang="en-US"/>
           </a:p>
@@ -5785,978 +5785,957 @@
           </a:p>
         </p:txBody>
       </p:sp>
-      <p:grpSp>
-        <p:nvGrpSpPr>
-          <p:cNvPr id="9" name="グループ化 8">
-            <a:extLst>
-              <a:ext uri="{FF2B5EF4-FFF2-40B4-BE49-F238E27FC236}">
-                <a16:creationId xmlns:a16="http://schemas.microsoft.com/office/drawing/2014/main" id="{A78C4AD6-6CF5-431E-B92D-7E73754A1746}"/>
-              </a:ext>
-            </a:extLst>
-          </p:cNvPr>
-          <p:cNvGrpSpPr/>
+      <p:sp>
+        <p:nvSpPr>
+          <p:cNvPr id="31" name="正方形/長方形 30">
+            <a:extLst>
+              <a:ext uri="{FF2B5EF4-FFF2-40B4-BE49-F238E27FC236}">
+                <a16:creationId xmlns:a16="http://schemas.microsoft.com/office/drawing/2014/main" id="{B5141E85-C0AA-4E6C-9ED8-BD1E4CAFAF2D}"/>
+              </a:ext>
+            </a:extLst>
+          </p:cNvPr>
+          <p:cNvSpPr>
+            <a:spLocks noChangeAspect="1"/>
+          </p:cNvSpPr>
           <p:nvPr/>
-        </p:nvGrpSpPr>
-        <p:grpSpPr>
+        </p:nvSpPr>
+        <p:spPr>
+          <a:xfrm rot="10800000">
+            <a:off x="3114298" y="1869316"/>
+            <a:ext cx="3000867" cy="3000867"/>
+          </a:xfrm>
+          <a:prstGeom prst="rect">
+            <a:avLst/>
+          </a:prstGeom>
+          <a:noFill/>
+          <a:ln w="38100">
+            <a:prstDash val="sysDash"/>
+          </a:ln>
+        </p:spPr>
+        <p:style>
+          <a:lnRef idx="2">
+            <a:schemeClr val="accent1">
+              <a:shade val="50000"/>
+            </a:schemeClr>
+          </a:lnRef>
+          <a:fillRef idx="1">
+            <a:schemeClr val="accent1"/>
+          </a:fillRef>
+          <a:effectRef idx="0">
+            <a:schemeClr val="accent1"/>
+          </a:effectRef>
+          <a:fontRef idx="minor">
+            <a:schemeClr val="lt1"/>
+          </a:fontRef>
+        </p:style>
+        <p:txBody>
+          <a:bodyPr rtlCol="0" anchor="ctr"/>
+          <a:lstStyle/>
+          <a:p>
+            <a:pPr algn="ctr"/>
+            <a:endParaRPr kumimoji="1" lang="ja-JP" altLang="en-US"/>
+          </a:p>
+        </p:txBody>
+      </p:sp>
+      <p:sp>
+        <p:nvSpPr>
+          <p:cNvPr id="32" name="平行四辺形 31">
+            <a:extLst>
+              <a:ext uri="{FF2B5EF4-FFF2-40B4-BE49-F238E27FC236}">
+                <a16:creationId xmlns:a16="http://schemas.microsoft.com/office/drawing/2014/main" id="{92B16407-B866-4921-864E-7BEA4FD5FA6C}"/>
+              </a:ext>
+            </a:extLst>
+          </p:cNvPr>
+          <p:cNvSpPr>
+            <a:spLocks noChangeAspect="1"/>
+          </p:cNvSpPr>
+          <p:nvPr/>
+        </p:nvSpPr>
+        <p:spPr>
+          <a:xfrm rot="16200000" flipV="1">
+            <a:off x="-15807" y="3296268"/>
+            <a:ext cx="4568478" cy="1734829"/>
+          </a:xfrm>
+          <a:prstGeom prst="parallelogram">
+            <a:avLst>
+              <a:gd name="adj" fmla="val 90386"/>
+            </a:avLst>
+          </a:prstGeom>
+          <a:noFill/>
+          <a:ln w="38100">
+            <a:prstDash val="sysDash"/>
+          </a:ln>
+        </p:spPr>
+        <p:style>
+          <a:lnRef idx="2">
+            <a:schemeClr val="accent1">
+              <a:shade val="50000"/>
+            </a:schemeClr>
+          </a:lnRef>
+          <a:fillRef idx="1">
+            <a:schemeClr val="accent1"/>
+          </a:fillRef>
+          <a:effectRef idx="0">
+            <a:schemeClr val="accent1"/>
+          </a:effectRef>
+          <a:fontRef idx="minor">
+            <a:schemeClr val="lt1"/>
+          </a:fontRef>
+        </p:style>
+        <p:txBody>
+          <a:bodyPr rtlCol="0" anchor="ctr"/>
+          <a:lstStyle/>
+          <a:p>
+            <a:pPr algn="ctr"/>
+            <a:endParaRPr kumimoji="1" lang="ja-JP" altLang="en-US" dirty="0"/>
+          </a:p>
+        </p:txBody>
+      </p:sp>
+      <p:cxnSp>
+        <p:nvCxnSpPr>
+          <p:cNvPr id="7" name="直線矢印コネクタ 6">
+            <a:extLst>
+              <a:ext uri="{FF2B5EF4-FFF2-40B4-BE49-F238E27FC236}">
+                <a16:creationId xmlns:a16="http://schemas.microsoft.com/office/drawing/2014/main" id="{56DD3294-F0BD-41A2-A10A-8C6305D85F6B}"/>
+              </a:ext>
+            </a:extLst>
+          </p:cNvPr>
+          <p:cNvCxnSpPr>
+            <a:cxnSpLocks/>
+          </p:cNvCxnSpPr>
+          <p:nvPr/>
+        </p:nvCxnSpPr>
+        <p:spPr>
+          <a:xfrm flipV="1">
+            <a:off x="6418670" y="2630608"/>
+            <a:ext cx="1110189" cy="1025220"/>
+          </a:xfrm>
+          <a:prstGeom prst="straightConnector1">
+            <a:avLst/>
+          </a:prstGeom>
+          <a:ln w="38100">
+            <a:tailEnd type="triangle"/>
+          </a:ln>
+        </p:spPr>
+        <p:style>
+          <a:lnRef idx="1">
+            <a:schemeClr val="accent1"/>
+          </a:lnRef>
+          <a:fillRef idx="0">
+            <a:schemeClr val="accent1"/>
+          </a:fillRef>
+          <a:effectRef idx="0">
+            <a:schemeClr val="accent1"/>
+          </a:effectRef>
+          <a:fontRef idx="minor">
+            <a:schemeClr val="tx1"/>
+          </a:fontRef>
+        </p:style>
+      </p:cxnSp>
+      <p:sp>
+        <p:nvSpPr>
+          <p:cNvPr id="8" name="テキスト ボックス 7">
+            <a:extLst>
+              <a:ext uri="{FF2B5EF4-FFF2-40B4-BE49-F238E27FC236}">
+                <a16:creationId xmlns:a16="http://schemas.microsoft.com/office/drawing/2014/main" id="{B6788F17-BBC9-4A08-BA64-D022B7B79D63}"/>
+              </a:ext>
+            </a:extLst>
+          </p:cNvPr>
+          <p:cNvSpPr txBox="1"/>
+          <p:nvPr/>
+        </p:nvSpPr>
+        <p:spPr>
           <a:xfrm>
-            <a:off x="495697" y="1700272"/>
-            <a:ext cx="7534405" cy="5157728"/>
-            <a:chOff x="671865" y="1541408"/>
-            <a:chExt cx="7534405" cy="5157728"/>
+            <a:off x="6226469" y="4621300"/>
+            <a:ext cx="1803633" cy="369332"/>
           </a:xfrm>
-        </p:grpSpPr>
-        <p:sp>
-          <p:nvSpPr>
-            <p:cNvPr id="31" name="正方形/長方形 30">
-              <a:extLst>
-                <a:ext uri="{FF2B5EF4-FFF2-40B4-BE49-F238E27FC236}">
-                  <a16:creationId xmlns:a16="http://schemas.microsoft.com/office/drawing/2014/main" id="{B5141E85-C0AA-4E6C-9ED8-BD1E4CAFAF2D}"/>
-                </a:ext>
-              </a:extLst>
-            </p:cNvPr>
-            <p:cNvSpPr>
-              <a:spLocks noChangeAspect="1"/>
-            </p:cNvSpPr>
-            <p:nvPr/>
-          </p:nvSpPr>
-          <p:spPr>
-            <a:xfrm rot="10800000">
-              <a:off x="3290466" y="1710452"/>
-              <a:ext cx="3000867" cy="3000867"/>
-            </a:xfrm>
-            <a:prstGeom prst="rect">
-              <a:avLst/>
-            </a:prstGeom>
-            <a:noFill/>
-            <a:ln w="38100">
-              <a:prstDash val="sysDash"/>
-            </a:ln>
-          </p:spPr>
-          <p:style>
-            <a:lnRef idx="2">
-              <a:schemeClr val="accent1">
-                <a:shade val="50000"/>
-              </a:schemeClr>
-            </a:lnRef>
-            <a:fillRef idx="1">
-              <a:schemeClr val="accent1"/>
-            </a:fillRef>
-            <a:effectRef idx="0">
-              <a:schemeClr val="accent1"/>
-            </a:effectRef>
-            <a:fontRef idx="minor">
-              <a:schemeClr val="lt1"/>
-            </a:fontRef>
-          </p:style>
-          <p:txBody>
-            <a:bodyPr rtlCol="0" anchor="ctr"/>
-            <a:lstStyle/>
-            <a:p>
-              <a:pPr algn="ctr"/>
-              <a:endParaRPr kumimoji="1" lang="ja-JP" altLang="en-US"/>
-            </a:p>
-          </p:txBody>
-        </p:sp>
-        <p:sp>
-          <p:nvSpPr>
-            <p:cNvPr id="32" name="平行四辺形 31">
-              <a:extLst>
-                <a:ext uri="{FF2B5EF4-FFF2-40B4-BE49-F238E27FC236}">
-                  <a16:creationId xmlns:a16="http://schemas.microsoft.com/office/drawing/2014/main" id="{92B16407-B866-4921-864E-7BEA4FD5FA6C}"/>
-                </a:ext>
-              </a:extLst>
-            </p:cNvPr>
-            <p:cNvSpPr>
-              <a:spLocks noChangeAspect="1"/>
-            </p:cNvSpPr>
-            <p:nvPr/>
-          </p:nvSpPr>
-          <p:spPr>
-            <a:xfrm rot="16200000" flipV="1">
-              <a:off x="160361" y="3137404"/>
-              <a:ext cx="4568478" cy="1734829"/>
-            </a:xfrm>
-            <a:prstGeom prst="parallelogram">
-              <a:avLst>
-                <a:gd name="adj" fmla="val 90386"/>
-              </a:avLst>
-            </a:prstGeom>
-            <a:noFill/>
-            <a:ln w="38100">
-              <a:prstDash val="sysDash"/>
-            </a:ln>
-          </p:spPr>
-          <p:style>
-            <a:lnRef idx="2">
-              <a:schemeClr val="accent1">
-                <a:shade val="50000"/>
-              </a:schemeClr>
-            </a:lnRef>
-            <a:fillRef idx="1">
-              <a:schemeClr val="accent1"/>
-            </a:fillRef>
-            <a:effectRef idx="0">
-              <a:schemeClr val="accent1"/>
-            </a:effectRef>
-            <a:fontRef idx="minor">
-              <a:schemeClr val="lt1"/>
-            </a:fontRef>
-          </p:style>
-          <p:txBody>
-            <a:bodyPr rtlCol="0" anchor="ctr"/>
-            <a:lstStyle/>
-            <a:p>
-              <a:pPr algn="ctr"/>
-              <a:endParaRPr kumimoji="1" lang="ja-JP" altLang="en-US" dirty="0"/>
-            </a:p>
-          </p:txBody>
-        </p:sp>
-        <p:cxnSp>
-          <p:nvCxnSpPr>
-            <p:cNvPr id="7" name="直線矢印コネクタ 6">
-              <a:extLst>
-                <a:ext uri="{FF2B5EF4-FFF2-40B4-BE49-F238E27FC236}">
-                  <a16:creationId xmlns:a16="http://schemas.microsoft.com/office/drawing/2014/main" id="{56DD3294-F0BD-41A2-A10A-8C6305D85F6B}"/>
-                </a:ext>
-              </a:extLst>
-            </p:cNvPr>
-            <p:cNvCxnSpPr>
-              <a:cxnSpLocks/>
-            </p:cNvCxnSpPr>
-            <p:nvPr/>
-          </p:nvCxnSpPr>
-          <p:spPr>
-            <a:xfrm flipV="1">
-              <a:off x="6594838" y="2471744"/>
-              <a:ext cx="1110189" cy="1025220"/>
-            </a:xfrm>
-            <a:prstGeom prst="straightConnector1">
-              <a:avLst/>
-            </a:prstGeom>
-            <a:ln w="38100">
-              <a:tailEnd type="triangle"/>
-            </a:ln>
-          </p:spPr>
-          <p:style>
-            <a:lnRef idx="1">
-              <a:schemeClr val="accent1"/>
-            </a:lnRef>
-            <a:fillRef idx="0">
-              <a:schemeClr val="accent1"/>
-            </a:fillRef>
-            <a:effectRef idx="0">
-              <a:schemeClr val="accent1"/>
-            </a:effectRef>
-            <a:fontRef idx="minor">
-              <a:schemeClr val="tx1"/>
-            </a:fontRef>
-          </p:style>
-        </p:cxnSp>
-        <p:sp>
-          <p:nvSpPr>
-            <p:cNvPr id="8" name="テキスト ボックス 7">
-              <a:extLst>
-                <a:ext uri="{FF2B5EF4-FFF2-40B4-BE49-F238E27FC236}">
-                  <a16:creationId xmlns:a16="http://schemas.microsoft.com/office/drawing/2014/main" id="{B6788F17-BBC9-4A08-BA64-D022B7B79D63}"/>
-                </a:ext>
-              </a:extLst>
-            </p:cNvPr>
-            <p:cNvSpPr txBox="1"/>
-            <p:nvPr/>
-          </p:nvSpPr>
-          <p:spPr>
-            <a:xfrm>
-              <a:off x="6402637" y="4462436"/>
-              <a:ext cx="1803633" cy="369332"/>
-            </a:xfrm>
-            <a:prstGeom prst="rect">
-              <a:avLst/>
-            </a:prstGeom>
-            <a:noFill/>
-          </p:spPr>
-          <p:txBody>
-            <a:bodyPr wrap="square" rtlCol="0">
-              <a:spAutoFit/>
-            </a:bodyPr>
-            <a:lstStyle/>
-            <a:p>
-              <a:r>
-                <a:rPr kumimoji="1" lang="en-US" altLang="ja-JP" dirty="0"/>
-                <a:t>0</a:t>
-              </a:r>
-              <a:r>
-                <a:rPr kumimoji="1" lang="ja-JP" altLang="en-US" dirty="0"/>
-                <a:t>、</a:t>
-              </a:r>
-              <a:r>
-                <a:rPr kumimoji="1" lang="en-US" altLang="ja-JP" dirty="0"/>
-                <a:t>13</a:t>
-              </a:r>
-              <a:endParaRPr kumimoji="1" lang="ja-JP" altLang="en-US" dirty="0"/>
-            </a:p>
-          </p:txBody>
-        </p:sp>
-        <p:sp>
-          <p:nvSpPr>
-            <p:cNvPr id="13" name="正方形/長方形 12">
-              <a:extLst>
-                <a:ext uri="{FF2B5EF4-FFF2-40B4-BE49-F238E27FC236}">
-                  <a16:creationId xmlns:a16="http://schemas.microsoft.com/office/drawing/2014/main" id="{0BF33127-BCE1-4915-BCAF-BE511767D173}"/>
-                </a:ext>
-              </a:extLst>
-            </p:cNvPr>
-            <p:cNvSpPr>
-              <a:spLocks noChangeAspect="1"/>
-            </p:cNvSpPr>
-            <p:nvPr/>
-          </p:nvSpPr>
-          <p:spPr>
-            <a:xfrm>
-              <a:off x="1573682" y="3331335"/>
-              <a:ext cx="3000867" cy="3000867"/>
-            </a:xfrm>
-            <a:prstGeom prst="rect">
-              <a:avLst/>
-            </a:prstGeom>
-            <a:noFill/>
-            <a:ln w="38100"/>
-          </p:spPr>
-          <p:style>
-            <a:lnRef idx="2">
-              <a:schemeClr val="accent1">
-                <a:shade val="50000"/>
-              </a:schemeClr>
-            </a:lnRef>
-            <a:fillRef idx="1">
-              <a:schemeClr val="accent1"/>
-            </a:fillRef>
-            <a:effectRef idx="0">
-              <a:schemeClr val="accent1"/>
-            </a:effectRef>
-            <a:fontRef idx="minor">
-              <a:schemeClr val="lt1"/>
-            </a:fontRef>
-          </p:style>
-          <p:txBody>
-            <a:bodyPr rtlCol="0" anchor="ctr"/>
-            <a:lstStyle/>
-            <a:p>
-              <a:pPr algn="ctr"/>
-              <a:endParaRPr kumimoji="1" lang="ja-JP" altLang="en-US"/>
-            </a:p>
-          </p:txBody>
-        </p:sp>
-        <p:sp>
-          <p:nvSpPr>
-            <p:cNvPr id="14" name="平行四辺形 13">
-              <a:extLst>
-                <a:ext uri="{FF2B5EF4-FFF2-40B4-BE49-F238E27FC236}">
-                  <a16:creationId xmlns:a16="http://schemas.microsoft.com/office/drawing/2014/main" id="{A444E972-D3A5-4DAB-A778-E10EF8137CF2}"/>
-                </a:ext>
-              </a:extLst>
-            </p:cNvPr>
-            <p:cNvSpPr>
-              <a:spLocks noChangeAspect="1"/>
-            </p:cNvSpPr>
-            <p:nvPr/>
-          </p:nvSpPr>
-          <p:spPr>
-            <a:xfrm rot="5400000" flipV="1">
-              <a:off x="3119307" y="3157778"/>
-              <a:ext cx="4609222" cy="1734829"/>
-            </a:xfrm>
-            <a:prstGeom prst="parallelogram">
-              <a:avLst>
-                <a:gd name="adj" fmla="val 92537"/>
-              </a:avLst>
-            </a:prstGeom>
-            <a:noFill/>
-            <a:ln w="38100"/>
-          </p:spPr>
-          <p:style>
-            <a:lnRef idx="2">
-              <a:schemeClr val="accent1">
-                <a:shade val="50000"/>
-              </a:schemeClr>
-            </a:lnRef>
-            <a:fillRef idx="1">
-              <a:schemeClr val="accent1"/>
-            </a:fillRef>
-            <a:effectRef idx="0">
-              <a:schemeClr val="accent1"/>
-            </a:effectRef>
-            <a:fontRef idx="minor">
-              <a:schemeClr val="lt1"/>
-            </a:fontRef>
-          </p:style>
-          <p:txBody>
-            <a:bodyPr rtlCol="0" anchor="ctr"/>
-            <a:lstStyle/>
-            <a:p>
-              <a:pPr algn="ctr"/>
-              <a:endParaRPr kumimoji="1" lang="ja-JP" altLang="en-US" dirty="0"/>
-            </a:p>
-          </p:txBody>
-        </p:sp>
-        <p:sp>
-          <p:nvSpPr>
-            <p:cNvPr id="33" name="テキスト ボックス 32">
-              <a:extLst>
-                <a:ext uri="{FF2B5EF4-FFF2-40B4-BE49-F238E27FC236}">
-                  <a16:creationId xmlns:a16="http://schemas.microsoft.com/office/drawing/2014/main" id="{5773E516-2470-4F7C-932D-4D5947BF47EC}"/>
-                </a:ext>
-              </a:extLst>
-            </p:cNvPr>
-            <p:cNvSpPr txBox="1"/>
-            <p:nvPr/>
-          </p:nvSpPr>
-          <p:spPr>
-            <a:xfrm>
-              <a:off x="4695394" y="6117132"/>
-              <a:ext cx="1803633" cy="369332"/>
-            </a:xfrm>
-            <a:prstGeom prst="rect">
-              <a:avLst/>
-            </a:prstGeom>
-            <a:noFill/>
-          </p:spPr>
-          <p:txBody>
-            <a:bodyPr wrap="square" rtlCol="0">
-              <a:spAutoFit/>
-            </a:bodyPr>
-            <a:lstStyle/>
-            <a:p>
-              <a:r>
-                <a:rPr lang="en-US" altLang="ja-JP" dirty="0"/>
-                <a:t>6</a:t>
-              </a:r>
-              <a:r>
-                <a:rPr kumimoji="1" lang="ja-JP" altLang="en-US" dirty="0"/>
-                <a:t>、</a:t>
-              </a:r>
-              <a:r>
-                <a:rPr kumimoji="1" lang="en-US" altLang="ja-JP" dirty="0"/>
-                <a:t>12</a:t>
-              </a:r>
-              <a:endParaRPr kumimoji="1" lang="ja-JP" altLang="en-US" dirty="0"/>
-            </a:p>
-          </p:txBody>
-        </p:sp>
-        <p:sp>
-          <p:nvSpPr>
-            <p:cNvPr id="34" name="テキスト ボックス 33">
-              <a:extLst>
-                <a:ext uri="{FF2B5EF4-FFF2-40B4-BE49-F238E27FC236}">
-                  <a16:creationId xmlns:a16="http://schemas.microsoft.com/office/drawing/2014/main" id="{D3939F08-F962-407F-A969-E316EC7EA9DF}"/>
-                </a:ext>
-              </a:extLst>
-            </p:cNvPr>
-            <p:cNvSpPr txBox="1"/>
-            <p:nvPr/>
-          </p:nvSpPr>
-          <p:spPr>
-            <a:xfrm>
-              <a:off x="1642651" y="6329804"/>
-              <a:ext cx="1803633" cy="369332"/>
-            </a:xfrm>
-            <a:prstGeom prst="rect">
-              <a:avLst/>
-            </a:prstGeom>
-            <a:noFill/>
-          </p:spPr>
-          <p:txBody>
-            <a:bodyPr wrap="square" rtlCol="0">
-              <a:spAutoFit/>
-            </a:bodyPr>
-            <a:lstStyle/>
-            <a:p>
-              <a:r>
-                <a:rPr lang="en-US" altLang="ja-JP" dirty="0"/>
-                <a:t>7</a:t>
-              </a:r>
-              <a:r>
-                <a:rPr kumimoji="1" lang="ja-JP" altLang="en-US" dirty="0"/>
-                <a:t>、</a:t>
-              </a:r>
-              <a:r>
-                <a:rPr lang="en-US" altLang="ja-JP" dirty="0"/>
-                <a:t>15</a:t>
-              </a:r>
-              <a:endParaRPr kumimoji="1" lang="ja-JP" altLang="en-US" dirty="0"/>
-            </a:p>
-          </p:txBody>
-        </p:sp>
-        <p:sp>
-          <p:nvSpPr>
-            <p:cNvPr id="35" name="テキスト ボックス 34">
-              <a:extLst>
-                <a:ext uri="{FF2B5EF4-FFF2-40B4-BE49-F238E27FC236}">
-                  <a16:creationId xmlns:a16="http://schemas.microsoft.com/office/drawing/2014/main" id="{245BCF09-B7FE-48F3-88AE-9E9734F95160}"/>
-                </a:ext>
-              </a:extLst>
-            </p:cNvPr>
-            <p:cNvSpPr txBox="1"/>
-            <p:nvPr/>
-          </p:nvSpPr>
-          <p:spPr>
-            <a:xfrm>
-              <a:off x="2322137" y="4519573"/>
-              <a:ext cx="1803633" cy="369332"/>
-            </a:xfrm>
-            <a:prstGeom prst="rect">
-              <a:avLst/>
-            </a:prstGeom>
-            <a:noFill/>
-          </p:spPr>
-          <p:txBody>
-            <a:bodyPr wrap="square" rtlCol="0">
-              <a:spAutoFit/>
-            </a:bodyPr>
-            <a:lstStyle/>
-            <a:p>
-              <a:r>
-                <a:rPr lang="en-US" altLang="ja-JP" dirty="0"/>
-                <a:t>1</a:t>
-              </a:r>
-              <a:r>
-                <a:rPr kumimoji="1" lang="ja-JP" altLang="en-US" dirty="0"/>
-                <a:t>、</a:t>
-              </a:r>
-              <a:r>
-                <a:rPr kumimoji="1" lang="en-US" altLang="ja-JP" dirty="0"/>
-                <a:t>14</a:t>
-              </a:r>
-              <a:endParaRPr kumimoji="1" lang="ja-JP" altLang="en-US" dirty="0"/>
-            </a:p>
-          </p:txBody>
-        </p:sp>
-        <p:sp>
-          <p:nvSpPr>
-            <p:cNvPr id="36" name="テキスト ボックス 35">
-              <a:extLst>
-                <a:ext uri="{FF2B5EF4-FFF2-40B4-BE49-F238E27FC236}">
-                  <a16:creationId xmlns:a16="http://schemas.microsoft.com/office/drawing/2014/main" id="{F17487FE-FA43-4223-8C5F-5C58FD945A83}"/>
-                </a:ext>
-              </a:extLst>
-            </p:cNvPr>
-            <p:cNvSpPr txBox="1"/>
-            <p:nvPr/>
-          </p:nvSpPr>
-          <p:spPr>
-            <a:xfrm>
-              <a:off x="6367662" y="1541408"/>
-              <a:ext cx="1803633" cy="369332"/>
-            </a:xfrm>
-            <a:prstGeom prst="rect">
-              <a:avLst/>
-            </a:prstGeom>
-            <a:noFill/>
-          </p:spPr>
-          <p:txBody>
-            <a:bodyPr wrap="square" rtlCol="0">
-              <a:spAutoFit/>
-            </a:bodyPr>
-            <a:lstStyle/>
-            <a:p>
-              <a:r>
-                <a:rPr lang="en-US" altLang="ja-JP" dirty="0"/>
-                <a:t>2</a:t>
-              </a:r>
-              <a:r>
-                <a:rPr kumimoji="1" lang="ja-JP" altLang="en-US" dirty="0"/>
-                <a:t>、</a:t>
-              </a:r>
-              <a:r>
-                <a:rPr lang="en-US" altLang="ja-JP" dirty="0"/>
-                <a:t>8</a:t>
-              </a:r>
-              <a:endParaRPr kumimoji="1" lang="ja-JP" altLang="en-US" dirty="0"/>
-            </a:p>
-          </p:txBody>
-        </p:sp>
-        <p:sp>
-          <p:nvSpPr>
-            <p:cNvPr id="37" name="テキスト ボックス 36">
-              <a:extLst>
-                <a:ext uri="{FF2B5EF4-FFF2-40B4-BE49-F238E27FC236}">
-                  <a16:creationId xmlns:a16="http://schemas.microsoft.com/office/drawing/2014/main" id="{123080E3-A669-44B4-BA6C-69ED3C3D0B7A}"/>
-                </a:ext>
-              </a:extLst>
-            </p:cNvPr>
-            <p:cNvSpPr txBox="1"/>
-            <p:nvPr/>
-          </p:nvSpPr>
-          <p:spPr>
-            <a:xfrm>
-              <a:off x="2452443" y="1636139"/>
-              <a:ext cx="1803633" cy="369332"/>
-            </a:xfrm>
-            <a:prstGeom prst="rect">
-              <a:avLst/>
-            </a:prstGeom>
-            <a:noFill/>
-          </p:spPr>
-          <p:txBody>
-            <a:bodyPr wrap="square" rtlCol="0">
-              <a:spAutoFit/>
-            </a:bodyPr>
-            <a:lstStyle/>
-            <a:p>
-              <a:r>
-                <a:rPr lang="en-US" altLang="ja-JP" dirty="0"/>
-                <a:t>3</a:t>
-              </a:r>
-              <a:r>
-                <a:rPr kumimoji="1" lang="ja-JP" altLang="en-US" dirty="0"/>
-                <a:t>、</a:t>
-              </a:r>
-              <a:r>
-                <a:rPr lang="en-US" altLang="ja-JP" dirty="0"/>
-                <a:t>9</a:t>
-              </a:r>
-              <a:endParaRPr kumimoji="1" lang="ja-JP" altLang="en-US" dirty="0"/>
-            </a:p>
-          </p:txBody>
-        </p:sp>
-        <p:sp>
-          <p:nvSpPr>
-            <p:cNvPr id="38" name="テキスト ボックス 37">
-              <a:extLst>
-                <a:ext uri="{FF2B5EF4-FFF2-40B4-BE49-F238E27FC236}">
-                  <a16:creationId xmlns:a16="http://schemas.microsoft.com/office/drawing/2014/main" id="{64C994DA-A7BB-4DE9-B154-99155864C1A8}"/>
-                </a:ext>
-              </a:extLst>
-            </p:cNvPr>
-            <p:cNvSpPr txBox="1"/>
-            <p:nvPr/>
-          </p:nvSpPr>
-          <p:spPr>
-            <a:xfrm>
-              <a:off x="4685519" y="3257923"/>
-              <a:ext cx="1803633" cy="369332"/>
-            </a:xfrm>
-            <a:prstGeom prst="rect">
-              <a:avLst/>
-            </a:prstGeom>
-            <a:noFill/>
-          </p:spPr>
-          <p:txBody>
-            <a:bodyPr wrap="square" rtlCol="0">
-              <a:spAutoFit/>
-            </a:bodyPr>
-            <a:lstStyle/>
-            <a:p>
-              <a:r>
-                <a:rPr lang="en-US" altLang="ja-JP" dirty="0"/>
-                <a:t>4</a:t>
-              </a:r>
-              <a:r>
-                <a:rPr kumimoji="1" lang="ja-JP" altLang="en-US" dirty="0"/>
-                <a:t>、</a:t>
-              </a:r>
-              <a:r>
-                <a:rPr kumimoji="1" lang="en-US" altLang="ja-JP" dirty="0"/>
-                <a:t>10</a:t>
-              </a:r>
-              <a:endParaRPr kumimoji="1" lang="ja-JP" altLang="en-US" dirty="0"/>
-            </a:p>
-          </p:txBody>
-        </p:sp>
-        <p:sp>
-          <p:nvSpPr>
-            <p:cNvPr id="39" name="テキスト ボックス 38">
-              <a:extLst>
-                <a:ext uri="{FF2B5EF4-FFF2-40B4-BE49-F238E27FC236}">
-                  <a16:creationId xmlns:a16="http://schemas.microsoft.com/office/drawing/2014/main" id="{D0835112-1C45-4403-B5B0-FE5EE9B520A1}"/>
-                </a:ext>
-              </a:extLst>
-            </p:cNvPr>
-            <p:cNvSpPr txBox="1"/>
-            <p:nvPr/>
-          </p:nvSpPr>
-          <p:spPr>
-            <a:xfrm>
-              <a:off x="671865" y="3124623"/>
-              <a:ext cx="1803633" cy="369332"/>
-            </a:xfrm>
-            <a:prstGeom prst="rect">
-              <a:avLst/>
-            </a:prstGeom>
-            <a:noFill/>
-          </p:spPr>
-          <p:txBody>
-            <a:bodyPr wrap="square" rtlCol="0">
-              <a:spAutoFit/>
-            </a:bodyPr>
-            <a:lstStyle/>
-            <a:p>
-              <a:r>
-                <a:rPr lang="en-US" altLang="ja-JP" dirty="0"/>
-                <a:t>5</a:t>
-              </a:r>
-              <a:r>
-                <a:rPr kumimoji="1" lang="ja-JP" altLang="en-US" dirty="0"/>
-                <a:t>、</a:t>
-              </a:r>
-              <a:r>
-                <a:rPr kumimoji="1" lang="en-US" altLang="ja-JP" dirty="0"/>
-                <a:t>11</a:t>
-              </a:r>
-              <a:endParaRPr kumimoji="1" lang="ja-JP" altLang="en-US" dirty="0"/>
-            </a:p>
-          </p:txBody>
-        </p:sp>
-        <p:cxnSp>
-          <p:nvCxnSpPr>
-            <p:cNvPr id="44" name="直線コネクタ 43">
-              <a:extLst>
-                <a:ext uri="{FF2B5EF4-FFF2-40B4-BE49-F238E27FC236}">
-                  <a16:creationId xmlns:a16="http://schemas.microsoft.com/office/drawing/2014/main" id="{04839EDF-6EF9-4B0D-9A64-42129334A10C}"/>
-                </a:ext>
-              </a:extLst>
-            </p:cNvPr>
-            <p:cNvCxnSpPr>
-              <a:cxnSpLocks/>
-            </p:cNvCxnSpPr>
-            <p:nvPr/>
-          </p:nvCxnSpPr>
-          <p:spPr>
-            <a:xfrm flipV="1">
-              <a:off x="1596388" y="3318805"/>
-              <a:ext cx="2960114" cy="3005954"/>
-            </a:xfrm>
-            <a:prstGeom prst="line">
-              <a:avLst/>
-            </a:prstGeom>
-            <a:ln w="38100"/>
-          </p:spPr>
-          <p:style>
-            <a:lnRef idx="1">
-              <a:schemeClr val="accent1"/>
-            </a:lnRef>
-            <a:fillRef idx="0">
-              <a:schemeClr val="accent1"/>
-            </a:fillRef>
-            <a:effectRef idx="0">
-              <a:schemeClr val="accent1"/>
-            </a:effectRef>
-            <a:fontRef idx="minor">
-              <a:schemeClr val="tx1"/>
-            </a:fontRef>
-          </p:style>
-        </p:cxnSp>
-        <p:cxnSp>
-          <p:nvCxnSpPr>
-            <p:cNvPr id="48" name="直線コネクタ 47">
-              <a:extLst>
-                <a:ext uri="{FF2B5EF4-FFF2-40B4-BE49-F238E27FC236}">
-                  <a16:creationId xmlns:a16="http://schemas.microsoft.com/office/drawing/2014/main" id="{8A158E1A-9451-487C-A2F8-E135EE0326F3}"/>
-                </a:ext>
-              </a:extLst>
-            </p:cNvPr>
-            <p:cNvCxnSpPr>
-              <a:cxnSpLocks/>
-            </p:cNvCxnSpPr>
-            <p:nvPr/>
-          </p:nvCxnSpPr>
-          <p:spPr>
-            <a:xfrm flipV="1">
-              <a:off x="4579833" y="1727484"/>
-              <a:ext cx="1711500" cy="4604719"/>
-            </a:xfrm>
-            <a:prstGeom prst="line">
-              <a:avLst/>
-            </a:prstGeom>
-            <a:ln w="38100"/>
-          </p:spPr>
-          <p:style>
-            <a:lnRef idx="1">
-              <a:schemeClr val="accent1"/>
-            </a:lnRef>
-            <a:fillRef idx="0">
-              <a:schemeClr val="accent1"/>
-            </a:fillRef>
-            <a:effectRef idx="0">
-              <a:schemeClr val="accent1"/>
-            </a:effectRef>
-            <a:fontRef idx="minor">
-              <a:schemeClr val="tx1"/>
-            </a:fontRef>
-          </p:style>
-        </p:cxnSp>
-        <p:cxnSp>
-          <p:nvCxnSpPr>
-            <p:cNvPr id="52" name="直線コネクタ 51">
-              <a:extLst>
-                <a:ext uri="{FF2B5EF4-FFF2-40B4-BE49-F238E27FC236}">
-                  <a16:creationId xmlns:a16="http://schemas.microsoft.com/office/drawing/2014/main" id="{A9F5502F-2B94-4D96-9026-B454D239B530}"/>
-                </a:ext>
-              </a:extLst>
-            </p:cNvPr>
-            <p:cNvCxnSpPr>
-              <a:cxnSpLocks/>
-            </p:cNvCxnSpPr>
-            <p:nvPr/>
-          </p:nvCxnSpPr>
-          <p:spPr>
-            <a:xfrm flipH="1" flipV="1">
-              <a:off x="3325685" y="1712734"/>
-              <a:ext cx="2979319" cy="3006071"/>
-            </a:xfrm>
-            <a:prstGeom prst="line">
-              <a:avLst/>
-            </a:prstGeom>
-            <a:ln w="38100">
-              <a:prstDash val="sysDash"/>
-            </a:ln>
-          </p:spPr>
-          <p:style>
-            <a:lnRef idx="1">
-              <a:schemeClr val="accent1"/>
-            </a:lnRef>
-            <a:fillRef idx="0">
-              <a:schemeClr val="accent1"/>
-            </a:fillRef>
-            <a:effectRef idx="0">
-              <a:schemeClr val="accent1"/>
-            </a:effectRef>
-            <a:fontRef idx="minor">
-              <a:schemeClr val="tx1"/>
-            </a:fontRef>
-          </p:style>
-        </p:cxnSp>
-        <p:cxnSp>
-          <p:nvCxnSpPr>
-            <p:cNvPr id="53" name="直線コネクタ 52">
-              <a:extLst>
-                <a:ext uri="{FF2B5EF4-FFF2-40B4-BE49-F238E27FC236}">
-                  <a16:creationId xmlns:a16="http://schemas.microsoft.com/office/drawing/2014/main" id="{196DD858-E4D5-4923-B0DB-589A7D913F4F}"/>
-                </a:ext>
-              </a:extLst>
-            </p:cNvPr>
-            <p:cNvCxnSpPr>
-              <a:cxnSpLocks/>
-            </p:cNvCxnSpPr>
-            <p:nvPr/>
-          </p:nvCxnSpPr>
-          <p:spPr>
-            <a:xfrm flipH="1" flipV="1">
-              <a:off x="1571902" y="3295634"/>
-              <a:ext cx="1734829" cy="1409804"/>
-            </a:xfrm>
-            <a:prstGeom prst="line">
-              <a:avLst/>
-            </a:prstGeom>
-            <a:ln w="38100">
-              <a:prstDash val="sysDash"/>
-            </a:ln>
-          </p:spPr>
-          <p:style>
-            <a:lnRef idx="1">
-              <a:schemeClr val="accent1"/>
-            </a:lnRef>
-            <a:fillRef idx="0">
-              <a:schemeClr val="accent1"/>
-            </a:fillRef>
-            <a:effectRef idx="0">
-              <a:schemeClr val="accent1"/>
-            </a:effectRef>
-            <a:fontRef idx="minor">
-              <a:schemeClr val="tx1"/>
-            </a:fontRef>
-          </p:style>
-        </p:cxnSp>
-        <p:cxnSp>
-          <p:nvCxnSpPr>
-            <p:cNvPr id="62" name="直線矢印コネクタ 61">
-              <a:extLst>
-                <a:ext uri="{FF2B5EF4-FFF2-40B4-BE49-F238E27FC236}">
-                  <a16:creationId xmlns:a16="http://schemas.microsoft.com/office/drawing/2014/main" id="{5B8D3CDF-FE10-4E43-AA24-260A974194CC}"/>
-                </a:ext>
-              </a:extLst>
-            </p:cNvPr>
-            <p:cNvCxnSpPr>
-              <a:cxnSpLocks/>
-            </p:cNvCxnSpPr>
-            <p:nvPr/>
-          </p:nvCxnSpPr>
-          <p:spPr>
-            <a:xfrm flipV="1">
-              <a:off x="6905858" y="1961387"/>
-              <a:ext cx="18340" cy="1644923"/>
-            </a:xfrm>
-            <a:prstGeom prst="straightConnector1">
-              <a:avLst/>
-            </a:prstGeom>
-            <a:ln w="38100">
-              <a:tailEnd type="triangle"/>
-            </a:ln>
-          </p:spPr>
-          <p:style>
-            <a:lnRef idx="1">
-              <a:schemeClr val="accent1"/>
-            </a:lnRef>
-            <a:fillRef idx="0">
-              <a:schemeClr val="accent1"/>
-            </a:fillRef>
-            <a:effectRef idx="0">
-              <a:schemeClr val="accent1"/>
-            </a:effectRef>
-            <a:fontRef idx="minor">
-              <a:schemeClr val="tx1"/>
-            </a:fontRef>
-          </p:style>
-        </p:cxnSp>
-        <p:cxnSp>
-          <p:nvCxnSpPr>
-            <p:cNvPr id="64" name="直線矢印コネクタ 63">
-              <a:extLst>
-                <a:ext uri="{FF2B5EF4-FFF2-40B4-BE49-F238E27FC236}">
-                  <a16:creationId xmlns:a16="http://schemas.microsoft.com/office/drawing/2014/main" id="{E4A5BF1A-4284-48DC-962D-707B786E62A2}"/>
-                </a:ext>
-              </a:extLst>
-            </p:cNvPr>
-            <p:cNvCxnSpPr>
-              <a:cxnSpLocks/>
-            </p:cNvCxnSpPr>
-            <p:nvPr/>
-          </p:nvCxnSpPr>
-          <p:spPr>
-            <a:xfrm flipH="1">
-              <a:off x="6499027" y="3217691"/>
-              <a:ext cx="1172413" cy="6803"/>
-            </a:xfrm>
-            <a:prstGeom prst="straightConnector1">
-              <a:avLst/>
-            </a:prstGeom>
-            <a:ln w="38100">
-              <a:tailEnd type="triangle"/>
-            </a:ln>
-          </p:spPr>
-          <p:style>
-            <a:lnRef idx="1">
-              <a:schemeClr val="accent1"/>
-            </a:lnRef>
-            <a:fillRef idx="0">
-              <a:schemeClr val="accent1"/>
-            </a:fillRef>
-            <a:effectRef idx="0">
-              <a:schemeClr val="accent1"/>
-            </a:effectRef>
-            <a:fontRef idx="minor">
-              <a:schemeClr val="tx1"/>
-            </a:fontRef>
-          </p:style>
-        </p:cxnSp>
-        <p:sp>
-          <p:nvSpPr>
-            <p:cNvPr id="67" name="テキスト ボックス 66">
-              <a:extLst>
-                <a:ext uri="{FF2B5EF4-FFF2-40B4-BE49-F238E27FC236}">
-                  <a16:creationId xmlns:a16="http://schemas.microsoft.com/office/drawing/2014/main" id="{39876E90-4C5B-43EB-8226-785D3EED5983}"/>
-                </a:ext>
-              </a:extLst>
-            </p:cNvPr>
-            <p:cNvSpPr txBox="1"/>
-            <p:nvPr/>
-          </p:nvSpPr>
-          <p:spPr>
-            <a:xfrm>
-              <a:off x="6915029" y="1864863"/>
-              <a:ext cx="314982" cy="369332"/>
-            </a:xfrm>
-            <a:prstGeom prst="rect">
-              <a:avLst/>
-            </a:prstGeom>
-            <a:noFill/>
-          </p:spPr>
-          <p:txBody>
-            <a:bodyPr wrap="square" rtlCol="0">
-              <a:spAutoFit/>
-            </a:bodyPr>
-            <a:lstStyle/>
-            <a:p>
-              <a:r>
-                <a:rPr lang="en-US" altLang="ja-JP" dirty="0"/>
-                <a:t>y</a:t>
-              </a:r>
-              <a:endParaRPr kumimoji="1" lang="ja-JP" altLang="en-US" dirty="0"/>
-            </a:p>
-          </p:txBody>
-        </p:sp>
-        <p:sp>
-          <p:nvSpPr>
-            <p:cNvPr id="68" name="テキスト ボックス 67">
-              <a:extLst>
-                <a:ext uri="{FF2B5EF4-FFF2-40B4-BE49-F238E27FC236}">
-                  <a16:creationId xmlns:a16="http://schemas.microsoft.com/office/drawing/2014/main" id="{E2F70A28-D1B1-4B15-A78E-6D958CA58F98}"/>
-                </a:ext>
-              </a:extLst>
-            </p:cNvPr>
-            <p:cNvSpPr txBox="1"/>
-            <p:nvPr/>
-          </p:nvSpPr>
-          <p:spPr>
-            <a:xfrm>
-              <a:off x="7742851" y="2195011"/>
-              <a:ext cx="314982" cy="369332"/>
-            </a:xfrm>
-            <a:prstGeom prst="rect">
-              <a:avLst/>
-            </a:prstGeom>
-            <a:noFill/>
-          </p:spPr>
-          <p:txBody>
-            <a:bodyPr wrap="square" rtlCol="0">
-              <a:spAutoFit/>
-            </a:bodyPr>
-            <a:lstStyle/>
-            <a:p>
-              <a:r>
-                <a:rPr lang="en-US" altLang="ja-JP" dirty="0"/>
-                <a:t>x</a:t>
-              </a:r>
-              <a:endParaRPr kumimoji="1" lang="ja-JP" altLang="en-US" dirty="0"/>
-            </a:p>
-          </p:txBody>
-        </p:sp>
-        <p:sp>
-          <p:nvSpPr>
-            <p:cNvPr id="69" name="テキスト ボックス 68">
-              <a:extLst>
-                <a:ext uri="{FF2B5EF4-FFF2-40B4-BE49-F238E27FC236}">
-                  <a16:creationId xmlns:a16="http://schemas.microsoft.com/office/drawing/2014/main" id="{640E9B39-0AE7-4407-A7EC-43EFB3A65169}"/>
-                </a:ext>
-              </a:extLst>
-            </p:cNvPr>
-            <p:cNvSpPr txBox="1"/>
-            <p:nvPr/>
-          </p:nvSpPr>
-          <p:spPr>
-            <a:xfrm>
-              <a:off x="7607344" y="2997639"/>
-              <a:ext cx="302774" cy="369332"/>
-            </a:xfrm>
-            <a:prstGeom prst="rect">
-              <a:avLst/>
-            </a:prstGeom>
-            <a:noFill/>
-          </p:spPr>
-          <p:txBody>
-            <a:bodyPr wrap="square" rtlCol="0">
-              <a:spAutoFit/>
-            </a:bodyPr>
-            <a:lstStyle/>
-            <a:p>
-              <a:r>
-                <a:rPr kumimoji="1" lang="en-US" altLang="ja-JP" dirty="0"/>
-                <a:t>z</a:t>
-              </a:r>
-              <a:endParaRPr kumimoji="1" lang="ja-JP" altLang="en-US" dirty="0"/>
-            </a:p>
-          </p:txBody>
-        </p:sp>
-      </p:grpSp>
+          <a:prstGeom prst="rect">
+            <a:avLst/>
+          </a:prstGeom>
+          <a:noFill/>
+        </p:spPr>
+        <p:txBody>
+          <a:bodyPr wrap="square" rtlCol="0">
+            <a:spAutoFit/>
+          </a:bodyPr>
+          <a:lstStyle/>
+          <a:p>
+            <a:r>
+              <a:rPr kumimoji="1" lang="en-US" altLang="ja-JP" dirty="0"/>
+              <a:t>0</a:t>
+            </a:r>
+            <a:r>
+              <a:rPr kumimoji="1" lang="ja-JP" altLang="en-US" dirty="0"/>
+              <a:t>、</a:t>
+            </a:r>
+            <a:r>
+              <a:rPr kumimoji="1" lang="en-US" altLang="ja-JP" dirty="0"/>
+              <a:t>13</a:t>
+            </a:r>
+            <a:endParaRPr kumimoji="1" lang="ja-JP" altLang="en-US" dirty="0"/>
+          </a:p>
+        </p:txBody>
+      </p:sp>
+      <p:sp>
+        <p:nvSpPr>
+          <p:cNvPr id="13" name="正方形/長方形 12">
+            <a:extLst>
+              <a:ext uri="{FF2B5EF4-FFF2-40B4-BE49-F238E27FC236}">
+                <a16:creationId xmlns:a16="http://schemas.microsoft.com/office/drawing/2014/main" id="{0BF33127-BCE1-4915-BCAF-BE511767D173}"/>
+              </a:ext>
+            </a:extLst>
+          </p:cNvPr>
+          <p:cNvSpPr>
+            <a:spLocks noChangeAspect="1"/>
+          </p:cNvSpPr>
+          <p:nvPr/>
+        </p:nvSpPr>
+        <p:spPr>
+          <a:xfrm>
+            <a:off x="1397514" y="3490199"/>
+            <a:ext cx="3000867" cy="3000867"/>
+          </a:xfrm>
+          <a:prstGeom prst="rect">
+            <a:avLst/>
+          </a:prstGeom>
+          <a:noFill/>
+          <a:ln w="38100"/>
+        </p:spPr>
+        <p:style>
+          <a:lnRef idx="2">
+            <a:schemeClr val="accent1">
+              <a:shade val="50000"/>
+            </a:schemeClr>
+          </a:lnRef>
+          <a:fillRef idx="1">
+            <a:schemeClr val="accent1"/>
+          </a:fillRef>
+          <a:effectRef idx="0">
+            <a:schemeClr val="accent1"/>
+          </a:effectRef>
+          <a:fontRef idx="minor">
+            <a:schemeClr val="lt1"/>
+          </a:fontRef>
+        </p:style>
+        <p:txBody>
+          <a:bodyPr rtlCol="0" anchor="ctr"/>
+          <a:lstStyle/>
+          <a:p>
+            <a:pPr algn="ctr"/>
+            <a:endParaRPr kumimoji="1" lang="ja-JP" altLang="en-US"/>
+          </a:p>
+        </p:txBody>
+      </p:sp>
+      <p:sp>
+        <p:nvSpPr>
+          <p:cNvPr id="14" name="平行四辺形 13">
+            <a:extLst>
+              <a:ext uri="{FF2B5EF4-FFF2-40B4-BE49-F238E27FC236}">
+                <a16:creationId xmlns:a16="http://schemas.microsoft.com/office/drawing/2014/main" id="{A444E972-D3A5-4DAB-A778-E10EF8137CF2}"/>
+              </a:ext>
+            </a:extLst>
+          </p:cNvPr>
+          <p:cNvSpPr>
+            <a:spLocks noChangeAspect="1"/>
+          </p:cNvSpPr>
+          <p:nvPr/>
+        </p:nvSpPr>
+        <p:spPr>
+          <a:xfrm rot="5400000" flipV="1">
+            <a:off x="2943139" y="3316642"/>
+            <a:ext cx="4609222" cy="1734829"/>
+          </a:xfrm>
+          <a:prstGeom prst="parallelogram">
+            <a:avLst>
+              <a:gd name="adj" fmla="val 92537"/>
+            </a:avLst>
+          </a:prstGeom>
+          <a:noFill/>
+          <a:ln w="38100"/>
+        </p:spPr>
+        <p:style>
+          <a:lnRef idx="2">
+            <a:schemeClr val="accent1">
+              <a:shade val="50000"/>
+            </a:schemeClr>
+          </a:lnRef>
+          <a:fillRef idx="1">
+            <a:schemeClr val="accent1"/>
+          </a:fillRef>
+          <a:effectRef idx="0">
+            <a:schemeClr val="accent1"/>
+          </a:effectRef>
+          <a:fontRef idx="minor">
+            <a:schemeClr val="lt1"/>
+          </a:fontRef>
+        </p:style>
+        <p:txBody>
+          <a:bodyPr rtlCol="0" anchor="ctr"/>
+          <a:lstStyle/>
+          <a:p>
+            <a:pPr algn="ctr"/>
+            <a:endParaRPr kumimoji="1" lang="ja-JP" altLang="en-US" dirty="0"/>
+          </a:p>
+        </p:txBody>
+      </p:sp>
+      <p:sp>
+        <p:nvSpPr>
+          <p:cNvPr id="33" name="テキスト ボックス 32">
+            <a:extLst>
+              <a:ext uri="{FF2B5EF4-FFF2-40B4-BE49-F238E27FC236}">
+                <a16:creationId xmlns:a16="http://schemas.microsoft.com/office/drawing/2014/main" id="{5773E516-2470-4F7C-932D-4D5947BF47EC}"/>
+              </a:ext>
+            </a:extLst>
+          </p:cNvPr>
+          <p:cNvSpPr txBox="1"/>
+          <p:nvPr/>
+        </p:nvSpPr>
+        <p:spPr>
+          <a:xfrm>
+            <a:off x="4519226" y="6275996"/>
+            <a:ext cx="1803633" cy="369332"/>
+          </a:xfrm>
+          <a:prstGeom prst="rect">
+            <a:avLst/>
+          </a:prstGeom>
+          <a:noFill/>
+        </p:spPr>
+        <p:txBody>
+          <a:bodyPr wrap="square" rtlCol="0">
+            <a:spAutoFit/>
+          </a:bodyPr>
+          <a:lstStyle/>
+          <a:p>
+            <a:r>
+              <a:rPr lang="en-US" altLang="ja-JP" dirty="0"/>
+              <a:t>6</a:t>
+            </a:r>
+            <a:r>
+              <a:rPr kumimoji="1" lang="ja-JP" altLang="en-US" dirty="0"/>
+              <a:t>、</a:t>
+            </a:r>
+            <a:r>
+              <a:rPr kumimoji="1" lang="en-US" altLang="ja-JP" dirty="0"/>
+              <a:t>12</a:t>
+            </a:r>
+            <a:endParaRPr kumimoji="1" lang="ja-JP" altLang="en-US" dirty="0"/>
+          </a:p>
+        </p:txBody>
+      </p:sp>
+      <p:sp>
+        <p:nvSpPr>
+          <p:cNvPr id="34" name="テキスト ボックス 33">
+            <a:extLst>
+              <a:ext uri="{FF2B5EF4-FFF2-40B4-BE49-F238E27FC236}">
+                <a16:creationId xmlns:a16="http://schemas.microsoft.com/office/drawing/2014/main" id="{D3939F08-F962-407F-A969-E316EC7EA9DF}"/>
+              </a:ext>
+            </a:extLst>
+          </p:cNvPr>
+          <p:cNvSpPr txBox="1"/>
+          <p:nvPr/>
+        </p:nvSpPr>
+        <p:spPr>
+          <a:xfrm>
+            <a:off x="1466483" y="6488668"/>
+            <a:ext cx="1803633" cy="369332"/>
+          </a:xfrm>
+          <a:prstGeom prst="rect">
+            <a:avLst/>
+          </a:prstGeom>
+          <a:noFill/>
+        </p:spPr>
+        <p:txBody>
+          <a:bodyPr wrap="square" rtlCol="0">
+            <a:spAutoFit/>
+          </a:bodyPr>
+          <a:lstStyle/>
+          <a:p>
+            <a:r>
+              <a:rPr lang="en-US" altLang="ja-JP" dirty="0"/>
+              <a:t>7</a:t>
+            </a:r>
+            <a:r>
+              <a:rPr kumimoji="1" lang="ja-JP" altLang="en-US" dirty="0"/>
+              <a:t>、</a:t>
+            </a:r>
+            <a:r>
+              <a:rPr lang="en-US" altLang="ja-JP" dirty="0"/>
+              <a:t>15</a:t>
+            </a:r>
+            <a:endParaRPr kumimoji="1" lang="ja-JP" altLang="en-US" dirty="0"/>
+          </a:p>
+        </p:txBody>
+      </p:sp>
+      <p:sp>
+        <p:nvSpPr>
+          <p:cNvPr id="35" name="テキスト ボックス 34">
+            <a:extLst>
+              <a:ext uri="{FF2B5EF4-FFF2-40B4-BE49-F238E27FC236}">
+                <a16:creationId xmlns:a16="http://schemas.microsoft.com/office/drawing/2014/main" id="{245BCF09-B7FE-48F3-88AE-9E9734F95160}"/>
+              </a:ext>
+            </a:extLst>
+          </p:cNvPr>
+          <p:cNvSpPr txBox="1"/>
+          <p:nvPr/>
+        </p:nvSpPr>
+        <p:spPr>
+          <a:xfrm>
+            <a:off x="2145969" y="4678437"/>
+            <a:ext cx="1803633" cy="369332"/>
+          </a:xfrm>
+          <a:prstGeom prst="rect">
+            <a:avLst/>
+          </a:prstGeom>
+          <a:noFill/>
+        </p:spPr>
+        <p:txBody>
+          <a:bodyPr wrap="square" rtlCol="0">
+            <a:spAutoFit/>
+          </a:bodyPr>
+          <a:lstStyle/>
+          <a:p>
+            <a:r>
+              <a:rPr lang="en-US" altLang="ja-JP" dirty="0"/>
+              <a:t>1</a:t>
+            </a:r>
+            <a:r>
+              <a:rPr kumimoji="1" lang="ja-JP" altLang="en-US" dirty="0"/>
+              <a:t>、</a:t>
+            </a:r>
+            <a:r>
+              <a:rPr kumimoji="1" lang="en-US" altLang="ja-JP" dirty="0"/>
+              <a:t>14</a:t>
+            </a:r>
+            <a:endParaRPr kumimoji="1" lang="ja-JP" altLang="en-US" dirty="0"/>
+          </a:p>
+        </p:txBody>
+      </p:sp>
+      <p:sp>
+        <p:nvSpPr>
+          <p:cNvPr id="36" name="テキスト ボックス 35">
+            <a:extLst>
+              <a:ext uri="{FF2B5EF4-FFF2-40B4-BE49-F238E27FC236}">
+                <a16:creationId xmlns:a16="http://schemas.microsoft.com/office/drawing/2014/main" id="{F17487FE-FA43-4223-8C5F-5C58FD945A83}"/>
+              </a:ext>
+            </a:extLst>
+          </p:cNvPr>
+          <p:cNvSpPr txBox="1"/>
+          <p:nvPr/>
+        </p:nvSpPr>
+        <p:spPr>
+          <a:xfrm>
+            <a:off x="6191494" y="1700272"/>
+            <a:ext cx="1803633" cy="369332"/>
+          </a:xfrm>
+          <a:prstGeom prst="rect">
+            <a:avLst/>
+          </a:prstGeom>
+          <a:noFill/>
+        </p:spPr>
+        <p:txBody>
+          <a:bodyPr wrap="square" rtlCol="0">
+            <a:spAutoFit/>
+          </a:bodyPr>
+          <a:lstStyle/>
+          <a:p>
+            <a:r>
+              <a:rPr lang="en-US" altLang="ja-JP" dirty="0"/>
+              <a:t>2</a:t>
+            </a:r>
+            <a:r>
+              <a:rPr kumimoji="1" lang="ja-JP" altLang="en-US" dirty="0"/>
+              <a:t>、</a:t>
+            </a:r>
+            <a:r>
+              <a:rPr lang="en-US" altLang="ja-JP" dirty="0"/>
+              <a:t>8</a:t>
+            </a:r>
+            <a:endParaRPr kumimoji="1" lang="ja-JP" altLang="en-US" dirty="0"/>
+          </a:p>
+        </p:txBody>
+      </p:sp>
+      <p:sp>
+        <p:nvSpPr>
+          <p:cNvPr id="37" name="テキスト ボックス 36">
+            <a:extLst>
+              <a:ext uri="{FF2B5EF4-FFF2-40B4-BE49-F238E27FC236}">
+                <a16:creationId xmlns:a16="http://schemas.microsoft.com/office/drawing/2014/main" id="{123080E3-A669-44B4-BA6C-69ED3C3D0B7A}"/>
+              </a:ext>
+            </a:extLst>
+          </p:cNvPr>
+          <p:cNvSpPr txBox="1"/>
+          <p:nvPr/>
+        </p:nvSpPr>
+        <p:spPr>
+          <a:xfrm>
+            <a:off x="2276275" y="1795003"/>
+            <a:ext cx="1803633" cy="369332"/>
+          </a:xfrm>
+          <a:prstGeom prst="rect">
+            <a:avLst/>
+          </a:prstGeom>
+          <a:noFill/>
+        </p:spPr>
+        <p:txBody>
+          <a:bodyPr wrap="square" rtlCol="0">
+            <a:spAutoFit/>
+          </a:bodyPr>
+          <a:lstStyle/>
+          <a:p>
+            <a:r>
+              <a:rPr lang="en-US" altLang="ja-JP" dirty="0"/>
+              <a:t>3</a:t>
+            </a:r>
+            <a:r>
+              <a:rPr kumimoji="1" lang="ja-JP" altLang="en-US" dirty="0"/>
+              <a:t>、</a:t>
+            </a:r>
+            <a:r>
+              <a:rPr lang="en-US" altLang="ja-JP" dirty="0"/>
+              <a:t>9</a:t>
+            </a:r>
+            <a:endParaRPr kumimoji="1" lang="ja-JP" altLang="en-US" dirty="0"/>
+          </a:p>
+        </p:txBody>
+      </p:sp>
+      <p:sp>
+        <p:nvSpPr>
+          <p:cNvPr id="38" name="テキスト ボックス 37">
+            <a:extLst>
+              <a:ext uri="{FF2B5EF4-FFF2-40B4-BE49-F238E27FC236}">
+                <a16:creationId xmlns:a16="http://schemas.microsoft.com/office/drawing/2014/main" id="{64C994DA-A7BB-4DE9-B154-99155864C1A8}"/>
+              </a:ext>
+            </a:extLst>
+          </p:cNvPr>
+          <p:cNvSpPr txBox="1"/>
+          <p:nvPr/>
+        </p:nvSpPr>
+        <p:spPr>
+          <a:xfrm>
+            <a:off x="4509351" y="3416787"/>
+            <a:ext cx="1803633" cy="369332"/>
+          </a:xfrm>
+          <a:prstGeom prst="rect">
+            <a:avLst/>
+          </a:prstGeom>
+          <a:noFill/>
+        </p:spPr>
+        <p:txBody>
+          <a:bodyPr wrap="square" rtlCol="0">
+            <a:spAutoFit/>
+          </a:bodyPr>
+          <a:lstStyle/>
+          <a:p>
+            <a:r>
+              <a:rPr lang="en-US" altLang="ja-JP" dirty="0"/>
+              <a:t>4</a:t>
+            </a:r>
+            <a:r>
+              <a:rPr kumimoji="1" lang="ja-JP" altLang="en-US" dirty="0"/>
+              <a:t>、</a:t>
+            </a:r>
+            <a:r>
+              <a:rPr kumimoji="1" lang="en-US" altLang="ja-JP" dirty="0"/>
+              <a:t>10</a:t>
+            </a:r>
+            <a:endParaRPr kumimoji="1" lang="ja-JP" altLang="en-US" dirty="0"/>
+          </a:p>
+        </p:txBody>
+      </p:sp>
+      <p:sp>
+        <p:nvSpPr>
+          <p:cNvPr id="39" name="テキスト ボックス 38">
+            <a:extLst>
+              <a:ext uri="{FF2B5EF4-FFF2-40B4-BE49-F238E27FC236}">
+                <a16:creationId xmlns:a16="http://schemas.microsoft.com/office/drawing/2014/main" id="{D0835112-1C45-4403-B5B0-FE5EE9B520A1}"/>
+              </a:ext>
+            </a:extLst>
+          </p:cNvPr>
+          <p:cNvSpPr txBox="1"/>
+          <p:nvPr/>
+        </p:nvSpPr>
+        <p:spPr>
+          <a:xfrm>
+            <a:off x="495697" y="3283487"/>
+            <a:ext cx="1803633" cy="369332"/>
+          </a:xfrm>
+          <a:prstGeom prst="rect">
+            <a:avLst/>
+          </a:prstGeom>
+          <a:noFill/>
+        </p:spPr>
+        <p:txBody>
+          <a:bodyPr wrap="square" rtlCol="0">
+            <a:spAutoFit/>
+          </a:bodyPr>
+          <a:lstStyle/>
+          <a:p>
+            <a:r>
+              <a:rPr lang="en-US" altLang="ja-JP" dirty="0"/>
+              <a:t>5</a:t>
+            </a:r>
+            <a:r>
+              <a:rPr kumimoji="1" lang="ja-JP" altLang="en-US" dirty="0"/>
+              <a:t>、</a:t>
+            </a:r>
+            <a:r>
+              <a:rPr kumimoji="1" lang="en-US" altLang="ja-JP" dirty="0"/>
+              <a:t>11</a:t>
+            </a:r>
+            <a:endParaRPr kumimoji="1" lang="ja-JP" altLang="en-US" dirty="0"/>
+          </a:p>
+        </p:txBody>
+      </p:sp>
+      <p:cxnSp>
+        <p:nvCxnSpPr>
+          <p:cNvPr id="44" name="直線コネクタ 43">
+            <a:extLst>
+              <a:ext uri="{FF2B5EF4-FFF2-40B4-BE49-F238E27FC236}">
+                <a16:creationId xmlns:a16="http://schemas.microsoft.com/office/drawing/2014/main" id="{04839EDF-6EF9-4B0D-9A64-42129334A10C}"/>
+              </a:ext>
+            </a:extLst>
+          </p:cNvPr>
+          <p:cNvCxnSpPr>
+            <a:cxnSpLocks/>
+          </p:cNvCxnSpPr>
+          <p:nvPr/>
+        </p:nvCxnSpPr>
+        <p:spPr>
+          <a:xfrm flipV="1">
+            <a:off x="1395734" y="1869317"/>
+            <a:ext cx="4700266" cy="1585181"/>
+          </a:xfrm>
+          <a:prstGeom prst="line">
+            <a:avLst/>
+          </a:prstGeom>
+          <a:ln w="38100"/>
+        </p:spPr>
+        <p:style>
+          <a:lnRef idx="1">
+            <a:schemeClr val="accent1"/>
+          </a:lnRef>
+          <a:fillRef idx="0">
+            <a:schemeClr val="accent1"/>
+          </a:fillRef>
+          <a:effectRef idx="0">
+            <a:schemeClr val="accent1"/>
+          </a:effectRef>
+          <a:fontRef idx="minor">
+            <a:schemeClr val="tx1"/>
+          </a:fontRef>
+        </p:style>
+      </p:cxnSp>
+      <p:cxnSp>
+        <p:nvCxnSpPr>
+          <p:cNvPr id="48" name="直線コネクタ 47">
+            <a:extLst>
+              <a:ext uri="{FF2B5EF4-FFF2-40B4-BE49-F238E27FC236}">
+                <a16:creationId xmlns:a16="http://schemas.microsoft.com/office/drawing/2014/main" id="{8A158E1A-9451-487C-A2F8-E135EE0326F3}"/>
+              </a:ext>
+            </a:extLst>
+          </p:cNvPr>
+          <p:cNvCxnSpPr>
+            <a:cxnSpLocks/>
+          </p:cNvCxnSpPr>
+          <p:nvPr/>
+        </p:nvCxnSpPr>
+        <p:spPr>
+          <a:xfrm>
+            <a:off x="4398381" y="3490199"/>
+            <a:ext cx="1730456" cy="1374103"/>
+          </a:xfrm>
+          <a:prstGeom prst="line">
+            <a:avLst/>
+          </a:prstGeom>
+          <a:ln w="38100"/>
+        </p:spPr>
+        <p:style>
+          <a:lnRef idx="1">
+            <a:schemeClr val="accent1"/>
+          </a:lnRef>
+          <a:fillRef idx="0">
+            <a:schemeClr val="accent1"/>
+          </a:fillRef>
+          <a:effectRef idx="0">
+            <a:schemeClr val="accent1"/>
+          </a:effectRef>
+          <a:fontRef idx="minor">
+            <a:schemeClr val="tx1"/>
+          </a:fontRef>
+        </p:style>
+      </p:cxnSp>
+      <p:cxnSp>
+        <p:nvCxnSpPr>
+          <p:cNvPr id="52" name="直線コネクタ 51">
+            <a:extLst>
+              <a:ext uri="{FF2B5EF4-FFF2-40B4-BE49-F238E27FC236}">
+                <a16:creationId xmlns:a16="http://schemas.microsoft.com/office/drawing/2014/main" id="{A9F5502F-2B94-4D96-9026-B454D239B530}"/>
+              </a:ext>
+            </a:extLst>
+          </p:cNvPr>
+          <p:cNvCxnSpPr>
+            <a:cxnSpLocks/>
+          </p:cNvCxnSpPr>
+          <p:nvPr/>
+        </p:nvCxnSpPr>
+        <p:spPr>
+          <a:xfrm flipH="1" flipV="1">
+            <a:off x="3135847" y="4864302"/>
+            <a:ext cx="1244488" cy="1624366"/>
+          </a:xfrm>
+          <a:prstGeom prst="line">
+            <a:avLst/>
+          </a:prstGeom>
+          <a:ln w="38100">
+            <a:prstDash val="sysDash"/>
+          </a:ln>
+        </p:spPr>
+        <p:style>
+          <a:lnRef idx="1">
+            <a:schemeClr val="accent1"/>
+          </a:lnRef>
+          <a:fillRef idx="0">
+            <a:schemeClr val="accent1"/>
+          </a:fillRef>
+          <a:effectRef idx="0">
+            <a:schemeClr val="accent1"/>
+          </a:effectRef>
+          <a:fontRef idx="minor">
+            <a:schemeClr val="tx1"/>
+          </a:fontRef>
+        </p:style>
+      </p:cxnSp>
+      <p:cxnSp>
+        <p:nvCxnSpPr>
+          <p:cNvPr id="53" name="直線コネクタ 52">
+            <a:extLst>
+              <a:ext uri="{FF2B5EF4-FFF2-40B4-BE49-F238E27FC236}">
+                <a16:creationId xmlns:a16="http://schemas.microsoft.com/office/drawing/2014/main" id="{196DD858-E4D5-4923-B0DB-589A7D913F4F}"/>
+              </a:ext>
+            </a:extLst>
+          </p:cNvPr>
+          <p:cNvCxnSpPr>
+            <a:cxnSpLocks/>
+          </p:cNvCxnSpPr>
+          <p:nvPr/>
+        </p:nvCxnSpPr>
+        <p:spPr>
+          <a:xfrm flipH="1">
+            <a:off x="1395736" y="1879443"/>
+            <a:ext cx="1718561" cy="4609225"/>
+          </a:xfrm>
+          <a:prstGeom prst="line">
+            <a:avLst/>
+          </a:prstGeom>
+          <a:ln w="38100">
+            <a:prstDash val="sysDash"/>
+          </a:ln>
+        </p:spPr>
+        <p:style>
+          <a:lnRef idx="1">
+            <a:schemeClr val="accent1"/>
+          </a:lnRef>
+          <a:fillRef idx="0">
+            <a:schemeClr val="accent1"/>
+          </a:fillRef>
+          <a:effectRef idx="0">
+            <a:schemeClr val="accent1"/>
+          </a:effectRef>
+          <a:fontRef idx="minor">
+            <a:schemeClr val="tx1"/>
+          </a:fontRef>
+        </p:style>
+      </p:cxnSp>
+      <p:cxnSp>
+        <p:nvCxnSpPr>
+          <p:cNvPr id="62" name="直線矢印コネクタ 61">
+            <a:extLst>
+              <a:ext uri="{FF2B5EF4-FFF2-40B4-BE49-F238E27FC236}">
+                <a16:creationId xmlns:a16="http://schemas.microsoft.com/office/drawing/2014/main" id="{5B8D3CDF-FE10-4E43-AA24-260A974194CC}"/>
+              </a:ext>
+            </a:extLst>
+          </p:cNvPr>
+          <p:cNvCxnSpPr>
+            <a:cxnSpLocks/>
+          </p:cNvCxnSpPr>
+          <p:nvPr/>
+        </p:nvCxnSpPr>
+        <p:spPr>
+          <a:xfrm flipV="1">
+            <a:off x="6729690" y="2120251"/>
+            <a:ext cx="18340" cy="1644923"/>
+          </a:xfrm>
+          <a:prstGeom prst="straightConnector1">
+            <a:avLst/>
+          </a:prstGeom>
+          <a:ln w="38100">
+            <a:tailEnd type="triangle"/>
+          </a:ln>
+        </p:spPr>
+        <p:style>
+          <a:lnRef idx="1">
+            <a:schemeClr val="accent1"/>
+          </a:lnRef>
+          <a:fillRef idx="0">
+            <a:schemeClr val="accent1"/>
+          </a:fillRef>
+          <a:effectRef idx="0">
+            <a:schemeClr val="accent1"/>
+          </a:effectRef>
+          <a:fontRef idx="minor">
+            <a:schemeClr val="tx1"/>
+          </a:fontRef>
+        </p:style>
+      </p:cxnSp>
+      <p:cxnSp>
+        <p:nvCxnSpPr>
+          <p:cNvPr id="64" name="直線矢印コネクタ 63">
+            <a:extLst>
+              <a:ext uri="{FF2B5EF4-FFF2-40B4-BE49-F238E27FC236}">
+                <a16:creationId xmlns:a16="http://schemas.microsoft.com/office/drawing/2014/main" id="{E4A5BF1A-4284-48DC-962D-707B786E62A2}"/>
+              </a:ext>
+            </a:extLst>
+          </p:cNvPr>
+          <p:cNvCxnSpPr>
+            <a:cxnSpLocks/>
+          </p:cNvCxnSpPr>
+          <p:nvPr/>
+        </p:nvCxnSpPr>
+        <p:spPr>
+          <a:xfrm flipH="1">
+            <a:off x="6322859" y="3376555"/>
+            <a:ext cx="1172413" cy="6803"/>
+          </a:xfrm>
+          <a:prstGeom prst="straightConnector1">
+            <a:avLst/>
+          </a:prstGeom>
+          <a:ln w="38100">
+            <a:tailEnd type="triangle"/>
+          </a:ln>
+        </p:spPr>
+        <p:style>
+          <a:lnRef idx="1">
+            <a:schemeClr val="accent1"/>
+          </a:lnRef>
+          <a:fillRef idx="0">
+            <a:schemeClr val="accent1"/>
+          </a:fillRef>
+          <a:effectRef idx="0">
+            <a:schemeClr val="accent1"/>
+          </a:effectRef>
+          <a:fontRef idx="minor">
+            <a:schemeClr val="tx1"/>
+          </a:fontRef>
+        </p:style>
+      </p:cxnSp>
+      <p:sp>
+        <p:nvSpPr>
+          <p:cNvPr id="67" name="テキスト ボックス 66">
+            <a:extLst>
+              <a:ext uri="{FF2B5EF4-FFF2-40B4-BE49-F238E27FC236}">
+                <a16:creationId xmlns:a16="http://schemas.microsoft.com/office/drawing/2014/main" id="{39876E90-4C5B-43EB-8226-785D3EED5983}"/>
+              </a:ext>
+            </a:extLst>
+          </p:cNvPr>
+          <p:cNvSpPr txBox="1"/>
+          <p:nvPr/>
+        </p:nvSpPr>
+        <p:spPr>
+          <a:xfrm>
+            <a:off x="6738861" y="2023727"/>
+            <a:ext cx="314982" cy="369332"/>
+          </a:xfrm>
+          <a:prstGeom prst="rect">
+            <a:avLst/>
+          </a:prstGeom>
+          <a:noFill/>
+        </p:spPr>
+        <p:txBody>
+          <a:bodyPr wrap="square" rtlCol="0">
+            <a:spAutoFit/>
+          </a:bodyPr>
+          <a:lstStyle/>
+          <a:p>
+            <a:r>
+              <a:rPr lang="en-US" altLang="ja-JP" dirty="0"/>
+              <a:t>y</a:t>
+            </a:r>
+            <a:endParaRPr kumimoji="1" lang="ja-JP" altLang="en-US" dirty="0"/>
+          </a:p>
+        </p:txBody>
+      </p:sp>
+      <p:sp>
+        <p:nvSpPr>
+          <p:cNvPr id="68" name="テキスト ボックス 67">
+            <a:extLst>
+              <a:ext uri="{FF2B5EF4-FFF2-40B4-BE49-F238E27FC236}">
+                <a16:creationId xmlns:a16="http://schemas.microsoft.com/office/drawing/2014/main" id="{E2F70A28-D1B1-4B15-A78E-6D958CA58F98}"/>
+              </a:ext>
+            </a:extLst>
+          </p:cNvPr>
+          <p:cNvSpPr txBox="1"/>
+          <p:nvPr/>
+        </p:nvSpPr>
+        <p:spPr>
+          <a:xfrm>
+            <a:off x="7566683" y="2353875"/>
+            <a:ext cx="314982" cy="369332"/>
+          </a:xfrm>
+          <a:prstGeom prst="rect">
+            <a:avLst/>
+          </a:prstGeom>
+          <a:noFill/>
+        </p:spPr>
+        <p:txBody>
+          <a:bodyPr wrap="square" rtlCol="0">
+            <a:spAutoFit/>
+          </a:bodyPr>
+          <a:lstStyle/>
+          <a:p>
+            <a:r>
+              <a:rPr lang="en-US" altLang="ja-JP" dirty="0"/>
+              <a:t>x</a:t>
+            </a:r>
+            <a:endParaRPr kumimoji="1" lang="ja-JP" altLang="en-US" dirty="0"/>
+          </a:p>
+        </p:txBody>
+      </p:sp>
+      <p:sp>
+        <p:nvSpPr>
+          <p:cNvPr id="69" name="テキスト ボックス 68">
+            <a:extLst>
+              <a:ext uri="{FF2B5EF4-FFF2-40B4-BE49-F238E27FC236}">
+                <a16:creationId xmlns:a16="http://schemas.microsoft.com/office/drawing/2014/main" id="{640E9B39-0AE7-4407-A7EC-43EFB3A65169}"/>
+              </a:ext>
+            </a:extLst>
+          </p:cNvPr>
+          <p:cNvSpPr txBox="1"/>
+          <p:nvPr/>
+        </p:nvSpPr>
+        <p:spPr>
+          <a:xfrm>
+            <a:off x="7431176" y="3156503"/>
+            <a:ext cx="302774" cy="369332"/>
+          </a:xfrm>
+          <a:prstGeom prst="rect">
+            <a:avLst/>
+          </a:prstGeom>
+          <a:noFill/>
+        </p:spPr>
+        <p:txBody>
+          <a:bodyPr wrap="square" rtlCol="0">
+            <a:spAutoFit/>
+          </a:bodyPr>
+          <a:lstStyle/>
+          <a:p>
+            <a:r>
+              <a:rPr kumimoji="1" lang="en-US" altLang="ja-JP" dirty="0"/>
+              <a:t>z</a:t>
+            </a:r>
+            <a:endParaRPr kumimoji="1" lang="ja-JP" altLang="en-US" dirty="0"/>
+          </a:p>
+        </p:txBody>
+      </p:sp>
       <p:sp>
         <p:nvSpPr>
           <p:cNvPr id="70" name="テキスト ボックス 69">
